--- a/Claimless - Pitch.pptx
+++ b/Claimless - Pitch.pptx
@@ -6,6 +6,7 @@
   </p:sldMasterIdLst>
   <p:sldIdLst>
     <p:sldId id="256" r:id="rId2"/>
+    <p:sldId id="257" r:id="rId3"/>
   </p:sldIdLst>
   <p:sldSz cx="12192000" cy="6858000"/>
   <p:notesSz cx="6858000" cy="9144000"/>
@@ -104,7 +105,16 @@
       </a:defRPr>
     </a:lvl9pPr>
   </p:defaultTextStyle>
+  <p:extLst>
+    <p:ext uri="{EFAFB233-063F-42B5-8137-9DF3F51BA10A}">
+      <p15:sldGuideLst xmlns:p15="http://schemas.microsoft.com/office/powerpoint/2012/main"/>
+    </p:ext>
+  </p:extLst>
 </p:presentation>
+</file>
+
+<file path=ppt/revisionInfo.xml><?xml version="1.0" encoding="utf-8"?>
+<p1510:revInfo xmlns:a="http://schemas.openxmlformats.org/drawingml/2006/main" xmlns:r="http://schemas.openxmlformats.org/officeDocument/2006/relationships" xmlns:p1510="http://schemas.microsoft.com/office/powerpoint/2015/10/main"/>
 </file>
 
 <file path=ppt/slideLayouts/slideLayout1.xml><?xml version="1.0" encoding="utf-8"?>
@@ -3021,6 +3031,108 @@
 </p:sld>
 </file>
 
+<file path=ppt/slides/slide2.xml><?xml version="1.0" encoding="utf-8"?>
+<p:sld xmlns:a="http://schemas.openxmlformats.org/drawingml/2006/main" xmlns:r="http://schemas.openxmlformats.org/officeDocument/2006/relationships" xmlns:p="http://schemas.openxmlformats.org/presentationml/2006/main">
+  <p:cSld>
+    <p:spTree>
+      <p:nvGrpSpPr>
+        <p:cNvPr id="1" name=""/>
+        <p:cNvGrpSpPr/>
+        <p:nvPr/>
+      </p:nvGrpSpPr>
+      <p:grpSpPr>
+        <a:xfrm>
+          <a:off x="0" y="0"/>
+          <a:ext cx="0" cy="0"/>
+          <a:chOff x="0" y="0"/>
+          <a:chExt cx="0" cy="0"/>
+        </a:xfrm>
+      </p:grpSpPr>
+      <p:sp>
+        <p:nvSpPr>
+          <p:cNvPr id="2" name="Title 1">
+            <a:extLst>
+              <a:ext uri="{FF2B5EF4-FFF2-40B4-BE49-F238E27FC236}">
+                <a16:creationId xmlns:a16="http://schemas.microsoft.com/office/drawing/2014/main" id="{C11FEA97-ED38-46DF-8EEC-F00EA9FB80B8}"/>
+              </a:ext>
+            </a:extLst>
+          </p:cNvPr>
+          <p:cNvSpPr>
+            <a:spLocks noGrp="1"/>
+          </p:cNvSpPr>
+          <p:nvPr>
+            <p:ph type="title"/>
+          </p:nvPr>
+        </p:nvSpPr>
+        <p:spPr/>
+        <p:txBody>
+          <a:bodyPr/>
+          <a:lstStyle/>
+          <a:p>
+            <a:r>
+              <a:rPr lang="en-GB" dirty="0"/>
+              <a:t>Problem</a:t>
+            </a:r>
+          </a:p>
+        </p:txBody>
+      </p:sp>
+      <p:sp>
+        <p:nvSpPr>
+          <p:cNvPr id="3" name="Content Placeholder 2">
+            <a:extLst>
+              <a:ext uri="{FF2B5EF4-FFF2-40B4-BE49-F238E27FC236}">
+                <a16:creationId xmlns:a16="http://schemas.microsoft.com/office/drawing/2014/main" id="{4504334A-5836-4E32-930B-6573DEF85645}"/>
+              </a:ext>
+            </a:extLst>
+          </p:cNvPr>
+          <p:cNvSpPr>
+            <a:spLocks noGrp="1"/>
+          </p:cNvSpPr>
+          <p:nvPr>
+            <p:ph idx="1"/>
+          </p:nvPr>
+        </p:nvSpPr>
+        <p:spPr/>
+        <p:txBody>
+          <a:bodyPr/>
+          <a:lstStyle/>
+          <a:p>
+            <a:r>
+              <a:rPr lang="en-GB" dirty="0"/>
+              <a:t>No claim bonuses are usually locked into a single insurer and to a single insurance type.</a:t>
+            </a:r>
+          </a:p>
+          <a:p>
+            <a:r>
+              <a:rPr lang="en-GB" dirty="0"/>
+              <a:t>As an insurance customer there is no easy way to demonstrate your personal claim history without divulging personal information.</a:t>
+            </a:r>
+          </a:p>
+          <a:p>
+            <a:r>
+              <a:rPr lang="en-GB" b="1" dirty="0"/>
+              <a:t>RESULT: There is no way to prove you are a good quality low risk customer to all insurance providers.</a:t>
+            </a:r>
+            <a:r>
+              <a:rPr lang="en-GB" dirty="0"/>
+              <a:t> </a:t>
+            </a:r>
+          </a:p>
+        </p:txBody>
+      </p:sp>
+    </p:spTree>
+    <p:extLst>
+      <p:ext uri="{BB962C8B-B14F-4D97-AF65-F5344CB8AC3E}">
+        <p14:creationId xmlns:p14="http://schemas.microsoft.com/office/powerpoint/2010/main" val="1359289034"/>
+      </p:ext>
+    </p:extLst>
+  </p:cSld>
+  <p:clrMapOvr>
+    <a:masterClrMapping/>
+  </p:clrMapOvr>
+</p:sld>
+</file>
+
 <file path=ppt/theme/theme1.xml><?xml version="1.0" encoding="utf-8"?>
 <a:theme xmlns:a="http://schemas.openxmlformats.org/drawingml/2006/main" name="Office Theme">
   <a:themeElements>

--- a/Claimless - Pitch.pptx
+++ b/Claimless - Pitch.pptx
@@ -7,6 +7,7 @@
   <p:sldIdLst>
     <p:sldId id="256" r:id="rId2"/>
     <p:sldId id="257" r:id="rId3"/>
+    <p:sldId id="258" r:id="rId4"/>
   </p:sldIdLst>
   <p:sldSz cx="12192000" cy="6858000"/>
   <p:notesSz cx="6858000" cy="9144000"/>
@@ -3133,6 +3134,124 @@
 </p:sld>
 </file>
 
+<file path=ppt/slides/slide3.xml><?xml version="1.0" encoding="utf-8"?>
+<p:sld xmlns:a="http://schemas.openxmlformats.org/drawingml/2006/main" xmlns:r="http://schemas.openxmlformats.org/officeDocument/2006/relationships" xmlns:p="http://schemas.openxmlformats.org/presentationml/2006/main">
+  <p:cSld>
+    <p:spTree>
+      <p:nvGrpSpPr>
+        <p:cNvPr id="1" name=""/>
+        <p:cNvGrpSpPr/>
+        <p:nvPr/>
+      </p:nvGrpSpPr>
+      <p:grpSpPr>
+        <a:xfrm>
+          <a:off x="0" y="0"/>
+          <a:ext cx="0" cy="0"/>
+          <a:chOff x="0" y="0"/>
+          <a:chExt cx="0" cy="0"/>
+        </a:xfrm>
+      </p:grpSpPr>
+      <p:sp>
+        <p:nvSpPr>
+          <p:cNvPr id="2" name="Title 1">
+            <a:extLst>
+              <a:ext uri="{FF2B5EF4-FFF2-40B4-BE49-F238E27FC236}">
+                <a16:creationId xmlns:a16="http://schemas.microsoft.com/office/drawing/2014/main" id="{A2168AB2-0A6D-4CE7-A51E-DA99429D8128}"/>
+              </a:ext>
+            </a:extLst>
+          </p:cNvPr>
+          <p:cNvSpPr>
+            <a:spLocks noGrp="1"/>
+          </p:cNvSpPr>
+          <p:nvPr>
+            <p:ph type="title"/>
+          </p:nvPr>
+        </p:nvSpPr>
+        <p:spPr/>
+        <p:txBody>
+          <a:bodyPr/>
+          <a:lstStyle/>
+          <a:p>
+            <a:r>
+              <a:rPr lang="en-GB" dirty="0"/>
+              <a:t>Solution</a:t>
+            </a:r>
+          </a:p>
+        </p:txBody>
+      </p:sp>
+      <p:sp>
+        <p:nvSpPr>
+          <p:cNvPr id="3" name="Content Placeholder 2">
+            <a:extLst>
+              <a:ext uri="{FF2B5EF4-FFF2-40B4-BE49-F238E27FC236}">
+                <a16:creationId xmlns:a16="http://schemas.microsoft.com/office/drawing/2014/main" id="{4DED0E3E-6B8C-4B4C-8197-BC446118D466}"/>
+              </a:ext>
+            </a:extLst>
+          </p:cNvPr>
+          <p:cNvSpPr>
+            <a:spLocks noGrp="1"/>
+          </p:cNvSpPr>
+          <p:nvPr>
+            <p:ph idx="1"/>
+          </p:nvPr>
+        </p:nvSpPr>
+        <p:spPr/>
+        <p:txBody>
+          <a:bodyPr>
+            <a:normAutofit lnSpcReduction="10000"/>
+          </a:bodyPr>
+          <a:lstStyle/>
+          <a:p>
+            <a:r>
+              <a:rPr lang="en-GB" dirty="0"/>
+              <a:t>Transfer “No Claim Bonus” (NCB) tokens into a customer account when a policy expires without a claim incurred.</a:t>
+            </a:r>
+          </a:p>
+          <a:p>
+            <a:r>
+              <a:rPr lang="en-GB" dirty="0"/>
+              <a:t>The numbers of NCB tokens transferred is directly related to the total premium.</a:t>
+            </a:r>
+          </a:p>
+          <a:p>
+            <a:r>
+              <a:rPr lang="en-GB" dirty="0"/>
+              <a:t>No tokens are transferred if a claim has occurred. </a:t>
+            </a:r>
+          </a:p>
+          <a:p>
+            <a:r>
+              <a:rPr lang="en-GB" dirty="0"/>
+              <a:t>A proportional number of tokens are transferred is a policy is prematurely cancelled.</a:t>
+            </a:r>
+          </a:p>
+          <a:p>
+            <a:r>
+              <a:rPr lang="en-GB" dirty="0"/>
+              <a:t>Participating insurance providers can offer discounted premium rates in exchange for NCB tokens.  </a:t>
+            </a:r>
+          </a:p>
+          <a:p>
+            <a:r>
+              <a:rPr lang="en-GB" dirty="0"/>
+              <a:t>The insurance provider determines the value of NCB tokens.</a:t>
+            </a:r>
+          </a:p>
+        </p:txBody>
+      </p:sp>
+    </p:spTree>
+    <p:extLst>
+      <p:ext uri="{BB962C8B-B14F-4D97-AF65-F5344CB8AC3E}">
+        <p14:creationId xmlns:p14="http://schemas.microsoft.com/office/powerpoint/2010/main" val="4213946638"/>
+      </p:ext>
+    </p:extLst>
+  </p:cSld>
+  <p:clrMapOvr>
+    <a:masterClrMapping/>
+  </p:clrMapOvr>
+</p:sld>
+</file>
+
 <file path=ppt/theme/theme1.xml><?xml version="1.0" encoding="utf-8"?>
 <a:theme xmlns:a="http://schemas.openxmlformats.org/drawingml/2006/main" name="Office Theme">
   <a:themeElements>

--- a/Claimless - Pitch.pptx
+++ b/Claimless - Pitch.pptx
@@ -6,8 +6,11 @@
   </p:sldMasterIdLst>
   <p:sldIdLst>
     <p:sldId id="256" r:id="rId2"/>
-    <p:sldId id="257" r:id="rId3"/>
+    <p:sldId id="265" r:id="rId3"/>
     <p:sldId id="258" r:id="rId4"/>
+    <p:sldId id="269" r:id="rId5"/>
+    <p:sldId id="271" r:id="rId6"/>
+    <p:sldId id="272" r:id="rId7"/>
   </p:sldIdLst>
   <p:sldSz cx="12192000" cy="6858000"/>
   <p:notesSz cx="6858000" cy="9144000"/>
@@ -247,9 +250,9 @@
           <a:bodyPr/>
           <a:lstStyle/>
           <a:p>
-            <a:fld id="{86B0BE09-0614-48AC-B22A-545C275C48F2}" type="datetimeFigureOut">
+            <a:fld id="{C1AB6882-3F33-4099-8205-FFAA87867E1A}" type="datetimeFigureOut">
               <a:rPr lang="en-GB" smtClean="0"/>
-              <a:t>22/07/2017</a:t>
+              <a:t>23/07/2017</a:t>
             </a:fld>
             <a:endParaRPr lang="en-GB"/>
           </a:p>
@@ -289,7 +292,7 @@
           <a:bodyPr/>
           <a:lstStyle/>
           <a:p>
-            <a:fld id="{8D6442B3-71DA-4C56-846A-6F81D6C4552C}" type="slidenum">
+            <a:fld id="{8370B5C9-73D8-426F-ACE0-5F2CA804F349}" type="slidenum">
               <a:rPr lang="en-GB" smtClean="0"/>
               <a:t>‹#›</a:t>
             </a:fld>
@@ -300,7 +303,7 @@
     </p:spTree>
     <p:extLst>
       <p:ext uri="{BB962C8B-B14F-4D97-AF65-F5344CB8AC3E}">
-        <p14:creationId xmlns:p14="http://schemas.microsoft.com/office/powerpoint/2010/main" val="1422044616"/>
+        <p14:creationId xmlns:p14="http://schemas.microsoft.com/office/powerpoint/2010/main" val="675503022"/>
       </p:ext>
     </p:extLst>
   </p:cSld>
@@ -417,9 +420,9 @@
           <a:bodyPr/>
           <a:lstStyle/>
           <a:p>
-            <a:fld id="{86B0BE09-0614-48AC-B22A-545C275C48F2}" type="datetimeFigureOut">
+            <a:fld id="{C1AB6882-3F33-4099-8205-FFAA87867E1A}" type="datetimeFigureOut">
               <a:rPr lang="en-GB" smtClean="0"/>
-              <a:t>22/07/2017</a:t>
+              <a:t>23/07/2017</a:t>
             </a:fld>
             <a:endParaRPr lang="en-GB"/>
           </a:p>
@@ -459,7 +462,7 @@
           <a:bodyPr/>
           <a:lstStyle/>
           <a:p>
-            <a:fld id="{8D6442B3-71DA-4C56-846A-6F81D6C4552C}" type="slidenum">
+            <a:fld id="{8370B5C9-73D8-426F-ACE0-5F2CA804F349}" type="slidenum">
               <a:rPr lang="en-GB" smtClean="0"/>
               <a:t>‹#›</a:t>
             </a:fld>
@@ -470,7 +473,7 @@
     </p:spTree>
     <p:extLst>
       <p:ext uri="{BB962C8B-B14F-4D97-AF65-F5344CB8AC3E}">
-        <p14:creationId xmlns:p14="http://schemas.microsoft.com/office/powerpoint/2010/main" val="393608201"/>
+        <p14:creationId xmlns:p14="http://schemas.microsoft.com/office/powerpoint/2010/main" val="1755246575"/>
       </p:ext>
     </p:extLst>
   </p:cSld>
@@ -597,9 +600,9 @@
           <a:bodyPr/>
           <a:lstStyle/>
           <a:p>
-            <a:fld id="{86B0BE09-0614-48AC-B22A-545C275C48F2}" type="datetimeFigureOut">
+            <a:fld id="{C1AB6882-3F33-4099-8205-FFAA87867E1A}" type="datetimeFigureOut">
               <a:rPr lang="en-GB" smtClean="0"/>
-              <a:t>22/07/2017</a:t>
+              <a:t>23/07/2017</a:t>
             </a:fld>
             <a:endParaRPr lang="en-GB"/>
           </a:p>
@@ -639,7 +642,7 @@
           <a:bodyPr/>
           <a:lstStyle/>
           <a:p>
-            <a:fld id="{8D6442B3-71DA-4C56-846A-6F81D6C4552C}" type="slidenum">
+            <a:fld id="{8370B5C9-73D8-426F-ACE0-5F2CA804F349}" type="slidenum">
               <a:rPr lang="en-GB" smtClean="0"/>
               <a:t>‹#›</a:t>
             </a:fld>
@@ -650,7 +653,7 @@
     </p:spTree>
     <p:extLst>
       <p:ext uri="{BB962C8B-B14F-4D97-AF65-F5344CB8AC3E}">
-        <p14:creationId xmlns:p14="http://schemas.microsoft.com/office/powerpoint/2010/main" val="211775012"/>
+        <p14:creationId xmlns:p14="http://schemas.microsoft.com/office/powerpoint/2010/main" val="2730876925"/>
       </p:ext>
     </p:extLst>
   </p:cSld>
@@ -767,9 +770,9 @@
           <a:bodyPr/>
           <a:lstStyle/>
           <a:p>
-            <a:fld id="{86B0BE09-0614-48AC-B22A-545C275C48F2}" type="datetimeFigureOut">
+            <a:fld id="{C1AB6882-3F33-4099-8205-FFAA87867E1A}" type="datetimeFigureOut">
               <a:rPr lang="en-GB" smtClean="0"/>
-              <a:t>22/07/2017</a:t>
+              <a:t>23/07/2017</a:t>
             </a:fld>
             <a:endParaRPr lang="en-GB"/>
           </a:p>
@@ -809,7 +812,7 @@
           <a:bodyPr/>
           <a:lstStyle/>
           <a:p>
-            <a:fld id="{8D6442B3-71DA-4C56-846A-6F81D6C4552C}" type="slidenum">
+            <a:fld id="{8370B5C9-73D8-426F-ACE0-5F2CA804F349}" type="slidenum">
               <a:rPr lang="en-GB" smtClean="0"/>
               <a:t>‹#›</a:t>
             </a:fld>
@@ -820,7 +823,7 @@
     </p:spTree>
     <p:extLst>
       <p:ext uri="{BB962C8B-B14F-4D97-AF65-F5344CB8AC3E}">
-        <p14:creationId xmlns:p14="http://schemas.microsoft.com/office/powerpoint/2010/main" val="4069204495"/>
+        <p14:creationId xmlns:p14="http://schemas.microsoft.com/office/powerpoint/2010/main" val="2171763077"/>
       </p:ext>
     </p:extLst>
   </p:cSld>
@@ -1013,9 +1016,9 @@
           <a:bodyPr/>
           <a:lstStyle/>
           <a:p>
-            <a:fld id="{86B0BE09-0614-48AC-B22A-545C275C48F2}" type="datetimeFigureOut">
+            <a:fld id="{C1AB6882-3F33-4099-8205-FFAA87867E1A}" type="datetimeFigureOut">
               <a:rPr lang="en-GB" smtClean="0"/>
-              <a:t>22/07/2017</a:t>
+              <a:t>23/07/2017</a:t>
             </a:fld>
             <a:endParaRPr lang="en-GB"/>
           </a:p>
@@ -1055,7 +1058,7 @@
           <a:bodyPr/>
           <a:lstStyle/>
           <a:p>
-            <a:fld id="{8D6442B3-71DA-4C56-846A-6F81D6C4552C}" type="slidenum">
+            <a:fld id="{8370B5C9-73D8-426F-ACE0-5F2CA804F349}" type="slidenum">
               <a:rPr lang="en-GB" smtClean="0"/>
               <a:t>‹#›</a:t>
             </a:fld>
@@ -1066,7 +1069,7 @@
     </p:spTree>
     <p:extLst>
       <p:ext uri="{BB962C8B-B14F-4D97-AF65-F5344CB8AC3E}">
-        <p14:creationId xmlns:p14="http://schemas.microsoft.com/office/powerpoint/2010/main" val="1814842536"/>
+        <p14:creationId xmlns:p14="http://schemas.microsoft.com/office/powerpoint/2010/main" val="3310670217"/>
       </p:ext>
     </p:extLst>
   </p:cSld>
@@ -1245,9 +1248,9 @@
           <a:bodyPr/>
           <a:lstStyle/>
           <a:p>
-            <a:fld id="{86B0BE09-0614-48AC-B22A-545C275C48F2}" type="datetimeFigureOut">
+            <a:fld id="{C1AB6882-3F33-4099-8205-FFAA87867E1A}" type="datetimeFigureOut">
               <a:rPr lang="en-GB" smtClean="0"/>
-              <a:t>22/07/2017</a:t>
+              <a:t>23/07/2017</a:t>
             </a:fld>
             <a:endParaRPr lang="en-GB"/>
           </a:p>
@@ -1287,7 +1290,7 @@
           <a:bodyPr/>
           <a:lstStyle/>
           <a:p>
-            <a:fld id="{8D6442B3-71DA-4C56-846A-6F81D6C4552C}" type="slidenum">
+            <a:fld id="{8370B5C9-73D8-426F-ACE0-5F2CA804F349}" type="slidenum">
               <a:rPr lang="en-GB" smtClean="0"/>
               <a:t>‹#›</a:t>
             </a:fld>
@@ -1298,7 +1301,7 @@
     </p:spTree>
     <p:extLst>
       <p:ext uri="{BB962C8B-B14F-4D97-AF65-F5344CB8AC3E}">
-        <p14:creationId xmlns:p14="http://schemas.microsoft.com/office/powerpoint/2010/main" val="2392042027"/>
+        <p14:creationId xmlns:p14="http://schemas.microsoft.com/office/powerpoint/2010/main" val="3430752852"/>
       </p:ext>
     </p:extLst>
   </p:cSld>
@@ -1612,9 +1615,9 @@
           <a:bodyPr/>
           <a:lstStyle/>
           <a:p>
-            <a:fld id="{86B0BE09-0614-48AC-B22A-545C275C48F2}" type="datetimeFigureOut">
+            <a:fld id="{C1AB6882-3F33-4099-8205-FFAA87867E1A}" type="datetimeFigureOut">
               <a:rPr lang="en-GB" smtClean="0"/>
-              <a:t>22/07/2017</a:t>
+              <a:t>23/07/2017</a:t>
             </a:fld>
             <a:endParaRPr lang="en-GB"/>
           </a:p>
@@ -1654,7 +1657,7 @@
           <a:bodyPr/>
           <a:lstStyle/>
           <a:p>
-            <a:fld id="{8D6442B3-71DA-4C56-846A-6F81D6C4552C}" type="slidenum">
+            <a:fld id="{8370B5C9-73D8-426F-ACE0-5F2CA804F349}" type="slidenum">
               <a:rPr lang="en-GB" smtClean="0"/>
               <a:t>‹#›</a:t>
             </a:fld>
@@ -1665,7 +1668,7 @@
     </p:spTree>
     <p:extLst>
       <p:ext uri="{BB962C8B-B14F-4D97-AF65-F5344CB8AC3E}">
-        <p14:creationId xmlns:p14="http://schemas.microsoft.com/office/powerpoint/2010/main" val="3787975772"/>
+        <p14:creationId xmlns:p14="http://schemas.microsoft.com/office/powerpoint/2010/main" val="3357600487"/>
       </p:ext>
     </p:extLst>
   </p:cSld>
@@ -1730,9 +1733,9 @@
           <a:bodyPr/>
           <a:lstStyle/>
           <a:p>
-            <a:fld id="{86B0BE09-0614-48AC-B22A-545C275C48F2}" type="datetimeFigureOut">
+            <a:fld id="{C1AB6882-3F33-4099-8205-FFAA87867E1A}" type="datetimeFigureOut">
               <a:rPr lang="en-GB" smtClean="0"/>
-              <a:t>22/07/2017</a:t>
+              <a:t>23/07/2017</a:t>
             </a:fld>
             <a:endParaRPr lang="en-GB"/>
           </a:p>
@@ -1772,7 +1775,7 @@
           <a:bodyPr/>
           <a:lstStyle/>
           <a:p>
-            <a:fld id="{8D6442B3-71DA-4C56-846A-6F81D6C4552C}" type="slidenum">
+            <a:fld id="{8370B5C9-73D8-426F-ACE0-5F2CA804F349}" type="slidenum">
               <a:rPr lang="en-GB" smtClean="0"/>
               <a:t>‹#›</a:t>
             </a:fld>
@@ -1783,7 +1786,7 @@
     </p:spTree>
     <p:extLst>
       <p:ext uri="{BB962C8B-B14F-4D97-AF65-F5344CB8AC3E}">
-        <p14:creationId xmlns:p14="http://schemas.microsoft.com/office/powerpoint/2010/main" val="3242708830"/>
+        <p14:creationId xmlns:p14="http://schemas.microsoft.com/office/powerpoint/2010/main" val="2288213517"/>
       </p:ext>
     </p:extLst>
   </p:cSld>
@@ -1825,9 +1828,9 @@
           <a:bodyPr/>
           <a:lstStyle/>
           <a:p>
-            <a:fld id="{86B0BE09-0614-48AC-B22A-545C275C48F2}" type="datetimeFigureOut">
+            <a:fld id="{C1AB6882-3F33-4099-8205-FFAA87867E1A}" type="datetimeFigureOut">
               <a:rPr lang="en-GB" smtClean="0"/>
-              <a:t>22/07/2017</a:t>
+              <a:t>23/07/2017</a:t>
             </a:fld>
             <a:endParaRPr lang="en-GB"/>
           </a:p>
@@ -1867,7 +1870,7 @@
           <a:bodyPr/>
           <a:lstStyle/>
           <a:p>
-            <a:fld id="{8D6442B3-71DA-4C56-846A-6F81D6C4552C}" type="slidenum">
+            <a:fld id="{8370B5C9-73D8-426F-ACE0-5F2CA804F349}" type="slidenum">
               <a:rPr lang="en-GB" smtClean="0"/>
               <a:t>‹#›</a:t>
             </a:fld>
@@ -1878,7 +1881,7 @@
     </p:spTree>
     <p:extLst>
       <p:ext uri="{BB962C8B-B14F-4D97-AF65-F5344CB8AC3E}">
-        <p14:creationId xmlns:p14="http://schemas.microsoft.com/office/powerpoint/2010/main" val="668739025"/>
+        <p14:creationId xmlns:p14="http://schemas.microsoft.com/office/powerpoint/2010/main" val="3258516257"/>
       </p:ext>
     </p:extLst>
   </p:cSld>
@@ -2102,9 +2105,9 @@
           <a:bodyPr/>
           <a:lstStyle/>
           <a:p>
-            <a:fld id="{86B0BE09-0614-48AC-B22A-545C275C48F2}" type="datetimeFigureOut">
+            <a:fld id="{C1AB6882-3F33-4099-8205-FFAA87867E1A}" type="datetimeFigureOut">
               <a:rPr lang="en-GB" smtClean="0"/>
-              <a:t>22/07/2017</a:t>
+              <a:t>23/07/2017</a:t>
             </a:fld>
             <a:endParaRPr lang="en-GB"/>
           </a:p>
@@ -2144,7 +2147,7 @@
           <a:bodyPr/>
           <a:lstStyle/>
           <a:p>
-            <a:fld id="{8D6442B3-71DA-4C56-846A-6F81D6C4552C}" type="slidenum">
+            <a:fld id="{8370B5C9-73D8-426F-ACE0-5F2CA804F349}" type="slidenum">
               <a:rPr lang="en-GB" smtClean="0"/>
               <a:t>‹#›</a:t>
             </a:fld>
@@ -2155,7 +2158,7 @@
     </p:spTree>
     <p:extLst>
       <p:ext uri="{BB962C8B-B14F-4D97-AF65-F5344CB8AC3E}">
-        <p14:creationId xmlns:p14="http://schemas.microsoft.com/office/powerpoint/2010/main" val="2348205419"/>
+        <p14:creationId xmlns:p14="http://schemas.microsoft.com/office/powerpoint/2010/main" val="1089048549"/>
       </p:ext>
     </p:extLst>
   </p:cSld>
@@ -2355,9 +2358,9 @@
           <a:bodyPr/>
           <a:lstStyle/>
           <a:p>
-            <a:fld id="{86B0BE09-0614-48AC-B22A-545C275C48F2}" type="datetimeFigureOut">
+            <a:fld id="{C1AB6882-3F33-4099-8205-FFAA87867E1A}" type="datetimeFigureOut">
               <a:rPr lang="en-GB" smtClean="0"/>
-              <a:t>22/07/2017</a:t>
+              <a:t>23/07/2017</a:t>
             </a:fld>
             <a:endParaRPr lang="en-GB"/>
           </a:p>
@@ -2397,7 +2400,7 @@
           <a:bodyPr/>
           <a:lstStyle/>
           <a:p>
-            <a:fld id="{8D6442B3-71DA-4C56-846A-6F81D6C4552C}" type="slidenum">
+            <a:fld id="{8370B5C9-73D8-426F-ACE0-5F2CA804F349}" type="slidenum">
               <a:rPr lang="en-GB" smtClean="0"/>
               <a:t>‹#›</a:t>
             </a:fld>
@@ -2408,7 +2411,7 @@
     </p:spTree>
     <p:extLst>
       <p:ext uri="{BB962C8B-B14F-4D97-AF65-F5344CB8AC3E}">
-        <p14:creationId xmlns:p14="http://schemas.microsoft.com/office/powerpoint/2010/main" val="227954096"/>
+        <p14:creationId xmlns:p14="http://schemas.microsoft.com/office/powerpoint/2010/main" val="34820910"/>
       </p:ext>
     </p:extLst>
   </p:cSld>
@@ -2568,9 +2571,9 @@
             </a:lvl1pPr>
           </a:lstStyle>
           <a:p>
-            <a:fld id="{86B0BE09-0614-48AC-B22A-545C275C48F2}" type="datetimeFigureOut">
+            <a:fld id="{C1AB6882-3F33-4099-8205-FFAA87867E1A}" type="datetimeFigureOut">
               <a:rPr lang="en-GB" smtClean="0"/>
-              <a:t>22/07/2017</a:t>
+              <a:t>23/07/2017</a:t>
             </a:fld>
             <a:endParaRPr lang="en-GB"/>
           </a:p>
@@ -2646,7 +2649,7 @@
             </a:lvl1pPr>
           </a:lstStyle>
           <a:p>
-            <a:fld id="{8D6442B3-71DA-4C56-846A-6F81D6C4552C}" type="slidenum">
+            <a:fld id="{8370B5C9-73D8-426F-ACE0-5F2CA804F349}" type="slidenum">
               <a:rPr lang="en-GB" smtClean="0"/>
               <a:t>‹#›</a:t>
             </a:fld>
@@ -2657,7 +2660,7 @@
     </p:spTree>
     <p:extLst>
       <p:ext uri="{BB962C8B-B14F-4D97-AF65-F5344CB8AC3E}">
-        <p14:creationId xmlns:p14="http://schemas.microsoft.com/office/powerpoint/2010/main" val="3396706720"/>
+        <p14:creationId xmlns:p14="http://schemas.microsoft.com/office/powerpoint/2010/main" val="3781419086"/>
       </p:ext>
     </p:extLst>
   </p:cSld>
@@ -2975,54 +2978,46 @@
           <a:chExt cx="0" cy="0"/>
         </a:xfrm>
       </p:grpSpPr>
-      <p:sp>
-        <p:nvSpPr>
-          <p:cNvPr id="2" name="Title 1"/>
-          <p:cNvSpPr>
-            <a:spLocks noGrp="1"/>
-          </p:cNvSpPr>
-          <p:nvPr>
-            <p:ph type="ctrTitle"/>
-          </p:nvPr>
-        </p:nvSpPr>
-        <p:spPr/>
-        <p:txBody>
-          <a:bodyPr/>
-          <a:lstStyle/>
-          <a:p>
-            <a:r>
-              <a:rPr lang="en-GB" dirty="0"/>
-              <a:t>Claimless</a:t>
-            </a:r>
-          </a:p>
-        </p:txBody>
-      </p:sp>
-      <p:sp>
-        <p:nvSpPr>
-          <p:cNvPr id="3" name="Subtitle 2"/>
-          <p:cNvSpPr>
-            <a:spLocks noGrp="1"/>
-          </p:cNvSpPr>
-          <p:nvPr>
-            <p:ph type="subTitle" idx="1"/>
-          </p:nvPr>
-        </p:nvSpPr>
-        <p:spPr/>
-        <p:txBody>
-          <a:bodyPr/>
-          <a:lstStyle/>
-          <a:p>
-            <a:r>
-              <a:rPr lang="en-GB" dirty="0"/>
-              <a:t>Universal No Claims Bonus</a:t>
-            </a:r>
-          </a:p>
-        </p:txBody>
-      </p:sp>
+      <p:pic>
+        <p:nvPicPr>
+          <p:cNvPr id="5" name="Picture 4">
+            <a:extLst>
+              <a:ext uri="{FF2B5EF4-FFF2-40B4-BE49-F238E27FC236}">
+                <a16:creationId xmlns:a16="http://schemas.microsoft.com/office/drawing/2014/main" id="{C21F03D9-D255-4BAF-BBEF-9696EE031703}"/>
+              </a:ext>
+            </a:extLst>
+          </p:cNvPr>
+          <p:cNvPicPr>
+            <a:picLocks noChangeAspect="1"/>
+          </p:cNvPicPr>
+          <p:nvPr/>
+        </p:nvPicPr>
+        <p:blipFill>
+          <a:blip r:embed="rId2">
+            <a:extLst>
+              <a:ext uri="{28A0092B-C50C-407E-A947-70E740481C1C}">
+                <a14:useLocalDpi xmlns:a14="http://schemas.microsoft.com/office/drawing/2010/main" val="0"/>
+              </a:ext>
+            </a:extLst>
+          </a:blip>
+          <a:stretch>
+            <a:fillRect/>
+          </a:stretch>
+        </p:blipFill>
+        <p:spPr>
+          <a:xfrm>
+            <a:off x="2665730" y="1864387"/>
+            <a:ext cx="7086964" cy="2565532"/>
+          </a:xfrm>
+          <a:prstGeom prst="rect">
+            <a:avLst/>
+          </a:prstGeom>
+        </p:spPr>
+      </p:pic>
     </p:spTree>
     <p:extLst>
       <p:ext uri="{BB962C8B-B14F-4D97-AF65-F5344CB8AC3E}">
-        <p14:creationId xmlns:p14="http://schemas.microsoft.com/office/powerpoint/2010/main" val="1509033752"/>
+        <p14:creationId xmlns:p14="http://schemas.microsoft.com/office/powerpoint/2010/main" val="2816090392"/>
       </p:ext>
     </p:extLst>
   </p:cSld>
@@ -3054,7 +3049,7 @@
           <p:cNvPr id="2" name="Title 1">
             <a:extLst>
               <a:ext uri="{FF2B5EF4-FFF2-40B4-BE49-F238E27FC236}">
-                <a16:creationId xmlns:a16="http://schemas.microsoft.com/office/drawing/2014/main" id="{C11FEA97-ED38-46DF-8EEC-F00EA9FB80B8}"/>
+                <a16:creationId xmlns:a16="http://schemas.microsoft.com/office/drawing/2014/main" id="{5D243D52-5A28-4854-A962-EE1EC8A687A0}"/>
               </a:ext>
             </a:extLst>
           </p:cNvPr>
@@ -3071,7 +3066,7 @@
           <a:lstStyle/>
           <a:p>
             <a:r>
-              <a:rPr lang="en-GB" dirty="0"/>
+              <a:rPr lang="en-GB" b="1" dirty="0"/>
               <a:t>Problem</a:t>
             </a:r>
           </a:p>
@@ -3082,7 +3077,7 @@
           <p:cNvPr id="3" name="Content Placeholder 2">
             <a:extLst>
               <a:ext uri="{FF2B5EF4-FFF2-40B4-BE49-F238E27FC236}">
-                <a16:creationId xmlns:a16="http://schemas.microsoft.com/office/drawing/2014/main" id="{4504334A-5836-4E32-930B-6573DEF85645}"/>
+                <a16:creationId xmlns:a16="http://schemas.microsoft.com/office/drawing/2014/main" id="{0437BF45-5AB5-4C2A-8C06-6A2804E9F027}"/>
               </a:ext>
             </a:extLst>
           </p:cNvPr>
@@ -3093,38 +3088,72 @@
             <p:ph idx="1"/>
           </p:nvPr>
         </p:nvSpPr>
-        <p:spPr/>
+        <p:spPr>
+          <a:xfrm>
+            <a:off x="838200" y="1825625"/>
+            <a:ext cx="10515600" cy="4351338"/>
+          </a:xfrm>
+        </p:spPr>
         <p:txBody>
           <a:bodyPr/>
           <a:lstStyle/>
           <a:p>
             <a:r>
               <a:rPr lang="en-GB" dirty="0"/>
-              <a:t>No claim bonuses are usually locked into a single insurer and to a single insurance type.</a:t>
+              <a:t>There is no easy way to prove your personal claim history and benefit from it.</a:t>
             </a:r>
           </a:p>
           <a:p>
             <a:r>
               <a:rPr lang="en-GB" dirty="0"/>
-              <a:t>As an insurance customer there is no easy way to demonstrate your personal claim history without divulging personal information.</a:t>
-            </a:r>
-          </a:p>
-          <a:p>
-            <a:r>
-              <a:rPr lang="en-GB" b="1" dirty="0"/>
-              <a:t>RESULT: There is no way to prove you are a good quality low risk customer to all insurance providers.</a:t>
-            </a:r>
-            <a:r>
-              <a:rPr lang="en-GB" dirty="0"/>
-              <a:t> </a:t>
-            </a:r>
-          </a:p>
-        </p:txBody>
-      </p:sp>
+              <a:t>There is no way to prove you are not a fraud risk.</a:t>
+            </a:r>
+          </a:p>
+          <a:p>
+            <a:endParaRPr lang="en-GB" dirty="0"/>
+          </a:p>
+        </p:txBody>
+      </p:sp>
+      <p:pic>
+        <p:nvPicPr>
+          <p:cNvPr id="5" name="Picture 4">
+            <a:extLst>
+              <a:ext uri="{FF2B5EF4-FFF2-40B4-BE49-F238E27FC236}">
+                <a16:creationId xmlns:a16="http://schemas.microsoft.com/office/drawing/2014/main" id="{A0430F65-FED6-4E0E-BCAA-552F508EC5A8}"/>
+              </a:ext>
+            </a:extLst>
+          </p:cNvPr>
+          <p:cNvPicPr>
+            <a:picLocks noChangeAspect="1"/>
+          </p:cNvPicPr>
+          <p:nvPr/>
+        </p:nvPicPr>
+        <p:blipFill>
+          <a:blip r:embed="rId2" cstate="hqprint">
+            <a:extLst>
+              <a:ext uri="{28A0092B-C50C-407E-A947-70E740481C1C}">
+                <a14:useLocalDpi xmlns:a14="http://schemas.microsoft.com/office/drawing/2010/main" val="0"/>
+              </a:ext>
+            </a:extLst>
+          </a:blip>
+          <a:stretch>
+            <a:fillRect/>
+          </a:stretch>
+        </p:blipFill>
+        <p:spPr>
+          <a:xfrm>
+            <a:off x="273487" y="6071133"/>
+            <a:ext cx="2173623" cy="786867"/>
+          </a:xfrm>
+          <a:prstGeom prst="rect">
+            <a:avLst/>
+          </a:prstGeom>
+        </p:spPr>
+      </p:pic>
     </p:spTree>
     <p:extLst>
       <p:ext uri="{BB962C8B-B14F-4D97-AF65-F5344CB8AC3E}">
-        <p14:creationId xmlns:p14="http://schemas.microsoft.com/office/powerpoint/2010/main" val="1359289034"/>
+        <p14:creationId xmlns:p14="http://schemas.microsoft.com/office/powerpoint/2010/main" val="906999186"/>
       </p:ext>
     </p:extLst>
   </p:cSld>
@@ -3153,41 +3182,165 @@
       </p:grpSpPr>
       <p:sp>
         <p:nvSpPr>
-          <p:cNvPr id="2" name="Title 1">
+          <p:cNvPr id="2" name="Title 1"/>
+          <p:cNvSpPr>
+            <a:spLocks noGrp="1"/>
+          </p:cNvSpPr>
+          <p:nvPr>
+            <p:ph type="title"/>
+          </p:nvPr>
+        </p:nvSpPr>
+        <p:spPr/>
+        <p:txBody>
+          <a:bodyPr/>
+          <a:lstStyle/>
+          <a:p>
+            <a:r>
+              <a:rPr lang="en-GB" b="1" dirty="0"/>
+              <a:t>Solution</a:t>
+            </a:r>
+          </a:p>
+        </p:txBody>
+      </p:sp>
+      <p:sp>
+        <p:nvSpPr>
+          <p:cNvPr id="3" name="Content Placeholder 2"/>
+          <p:cNvSpPr>
+            <a:spLocks noGrp="1"/>
+          </p:cNvSpPr>
+          <p:nvPr>
+            <p:ph idx="1"/>
+          </p:nvPr>
+        </p:nvSpPr>
+        <p:spPr/>
+        <p:txBody>
+          <a:bodyPr/>
+          <a:lstStyle/>
+          <a:p>
+            <a:r>
+              <a:rPr lang="en-GB" dirty="0"/>
+              <a:t>Incentivise customers to share some high level info about their insurance history. </a:t>
+            </a:r>
+          </a:p>
+          <a:p>
+            <a:r>
+              <a:rPr lang="en-GB" dirty="0"/>
+              <a:t>Tokenize the value of a good claim history</a:t>
+            </a:r>
+          </a:p>
+        </p:txBody>
+      </p:sp>
+      <p:pic>
+        <p:nvPicPr>
+          <p:cNvPr id="6" name="Picture 5">
             <a:extLst>
               <a:ext uri="{FF2B5EF4-FFF2-40B4-BE49-F238E27FC236}">
-                <a16:creationId xmlns:a16="http://schemas.microsoft.com/office/drawing/2014/main" id="{A2168AB2-0A6D-4CE7-A51E-DA99429D8128}"/>
+                <a16:creationId xmlns:a16="http://schemas.microsoft.com/office/drawing/2014/main" id="{A0430F65-FED6-4E0E-BCAA-552F508EC5A8}"/>
               </a:ext>
             </a:extLst>
           </p:cNvPr>
-          <p:cNvSpPr>
-            <a:spLocks noGrp="1"/>
-          </p:cNvSpPr>
-          <p:nvPr>
-            <p:ph type="title"/>
-          </p:nvPr>
-        </p:nvSpPr>
-        <p:spPr/>
-        <p:txBody>
-          <a:bodyPr/>
-          <a:lstStyle/>
-          <a:p>
-            <a:r>
-              <a:rPr lang="en-GB" dirty="0"/>
-              <a:t>Solution</a:t>
-            </a:r>
-          </a:p>
-        </p:txBody>
-      </p:sp>
-      <p:sp>
-        <p:nvSpPr>
-          <p:cNvPr id="3" name="Content Placeholder 2">
+          <p:cNvPicPr>
+            <a:picLocks noChangeAspect="1"/>
+          </p:cNvPicPr>
+          <p:nvPr/>
+        </p:nvPicPr>
+        <p:blipFill>
+          <a:blip r:embed="rId2" cstate="hqprint">
+            <a:extLst>
+              <a:ext uri="{28A0092B-C50C-407E-A947-70E740481C1C}">
+                <a14:useLocalDpi xmlns:a14="http://schemas.microsoft.com/office/drawing/2010/main" val="0"/>
+              </a:ext>
+            </a:extLst>
+          </a:blip>
+          <a:stretch>
+            <a:fillRect/>
+          </a:stretch>
+        </p:blipFill>
+        <p:spPr>
+          <a:xfrm>
+            <a:off x="273487" y="6071133"/>
+            <a:ext cx="2173623" cy="786867"/>
+          </a:xfrm>
+          <a:prstGeom prst="rect">
+            <a:avLst/>
+          </a:prstGeom>
+        </p:spPr>
+      </p:pic>
+    </p:spTree>
+    <p:extLst>
+      <p:ext uri="{BB962C8B-B14F-4D97-AF65-F5344CB8AC3E}">
+        <p14:creationId xmlns:p14="http://schemas.microsoft.com/office/powerpoint/2010/main" val="2667709560"/>
+      </p:ext>
+    </p:extLst>
+  </p:cSld>
+  <p:clrMapOvr>
+    <a:masterClrMapping/>
+  </p:clrMapOvr>
+</p:sld>
+</file>
+
+<file path=ppt/slides/slide4.xml><?xml version="1.0" encoding="utf-8"?>
+<p:sld xmlns:a="http://schemas.openxmlformats.org/drawingml/2006/main" xmlns:r="http://schemas.openxmlformats.org/officeDocument/2006/relationships" xmlns:p="http://schemas.openxmlformats.org/presentationml/2006/main">
+  <p:cSld>
+    <p:spTree>
+      <p:nvGrpSpPr>
+        <p:cNvPr id="1" name=""/>
+        <p:cNvGrpSpPr/>
+        <p:nvPr/>
+      </p:nvGrpSpPr>
+      <p:grpSpPr>
+        <a:xfrm>
+          <a:off x="0" y="0"/>
+          <a:ext cx="0" cy="0"/>
+          <a:chOff x="0" y="0"/>
+          <a:chExt cx="0" cy="0"/>
+        </a:xfrm>
+      </p:grpSpPr>
+      <p:pic>
+        <p:nvPicPr>
+          <p:cNvPr id="3" name="Picture 2">
             <a:extLst>
               <a:ext uri="{FF2B5EF4-FFF2-40B4-BE49-F238E27FC236}">
-                <a16:creationId xmlns:a16="http://schemas.microsoft.com/office/drawing/2014/main" id="{4DED0E3E-6B8C-4B4C-8197-BC446118D466}"/>
+                <a16:creationId xmlns:a16="http://schemas.microsoft.com/office/drawing/2014/main" id="{A0430F65-FED6-4E0E-BCAA-552F508EC5A8}"/>
               </a:ext>
             </a:extLst>
           </p:cNvPr>
+          <p:cNvPicPr>
+            <a:picLocks noChangeAspect="1"/>
+          </p:cNvPicPr>
+          <p:nvPr/>
+        </p:nvPicPr>
+        <p:blipFill>
+          <a:blip r:embed="rId2" cstate="hqprint">
+            <a:extLst>
+              <a:ext uri="{28A0092B-C50C-407E-A947-70E740481C1C}">
+                <a14:useLocalDpi xmlns:a14="http://schemas.microsoft.com/office/drawing/2010/main" val="0"/>
+              </a:ext>
+            </a:extLst>
+          </a:blip>
+          <a:stretch>
+            <a:fillRect/>
+          </a:stretch>
+        </p:blipFill>
+        <p:spPr>
+          <a:xfrm>
+            <a:off x="273487" y="6071133"/>
+            <a:ext cx="2173623" cy="786867"/>
+          </a:xfrm>
+          <a:prstGeom prst="rect">
+            <a:avLst/>
+          </a:prstGeom>
+        </p:spPr>
+      </p:pic>
+      <p:sp>
+        <p:nvSpPr>
+          <p:cNvPr id="4" name="Content Placeholder 3">
+            <a:extLst>
+              <a:ext uri="{FF2B5EF4-FFF2-40B4-BE49-F238E27FC236}">
+                <a16:creationId xmlns:a16="http://schemas.microsoft.com/office/drawing/2014/main" id="{63FD8AB0-20FF-48ED-A2E2-4353FD991E33}"/>
+              </a:ext>
+            </a:extLst>
+          </p:cNvPr>
           <p:cNvSpPr>
             <a:spLocks noGrp="1"/>
           </p:cNvSpPr>
@@ -3197,44 +3350,12 @@
         </p:nvSpPr>
         <p:spPr/>
         <p:txBody>
-          <a:bodyPr>
-            <a:normAutofit lnSpcReduction="10000"/>
-          </a:bodyPr>
+          <a:bodyPr/>
           <a:lstStyle/>
           <a:p>
             <a:r>
               <a:rPr lang="en-GB" dirty="0"/>
-              <a:t>Transfer “No Claim Bonus” (NCB) tokens into a customer account when a policy expires without a claim incurred.</a:t>
-            </a:r>
-          </a:p>
-          <a:p>
-            <a:r>
-              <a:rPr lang="en-GB" dirty="0"/>
-              <a:t>The numbers of NCB tokens transferred is directly related to the total premium.</a:t>
-            </a:r>
-          </a:p>
-          <a:p>
-            <a:r>
-              <a:rPr lang="en-GB" dirty="0"/>
-              <a:t>No tokens are transferred if a claim has occurred. </a:t>
-            </a:r>
-          </a:p>
-          <a:p>
-            <a:r>
-              <a:rPr lang="en-GB" dirty="0"/>
-              <a:t>A proportional number of tokens are transferred is a policy is prematurely cancelled.</a:t>
-            </a:r>
-          </a:p>
-          <a:p>
-            <a:r>
-              <a:rPr lang="en-GB" dirty="0"/>
-              <a:t>Participating insurance providers can offer discounted premium rates in exchange for NCB tokens.  </a:t>
-            </a:r>
-          </a:p>
-          <a:p>
-            <a:r>
-              <a:rPr lang="en-GB" dirty="0"/>
-              <a:t>The insurance provider determines the value of NCB tokens.</a:t>
+              <a:t>Demo and walk through</a:t>
             </a:r>
           </a:p>
         </p:txBody>
@@ -3242,7 +3363,366 @@
     </p:spTree>
     <p:extLst>
       <p:ext uri="{BB962C8B-B14F-4D97-AF65-F5344CB8AC3E}">
-        <p14:creationId xmlns:p14="http://schemas.microsoft.com/office/powerpoint/2010/main" val="4213946638"/>
+        <p14:creationId xmlns:p14="http://schemas.microsoft.com/office/powerpoint/2010/main" val="4241238176"/>
+      </p:ext>
+    </p:extLst>
+  </p:cSld>
+  <p:clrMapOvr>
+    <a:masterClrMapping/>
+  </p:clrMapOvr>
+</p:sld>
+</file>
+
+<file path=ppt/slides/slide5.xml><?xml version="1.0" encoding="utf-8"?>
+<p:sld xmlns:a="http://schemas.openxmlformats.org/drawingml/2006/main" xmlns:r="http://schemas.openxmlformats.org/officeDocument/2006/relationships" xmlns:p="http://schemas.openxmlformats.org/presentationml/2006/main">
+  <p:cSld>
+    <p:spTree>
+      <p:nvGrpSpPr>
+        <p:cNvPr id="1" name=""/>
+        <p:cNvGrpSpPr/>
+        <p:nvPr/>
+      </p:nvGrpSpPr>
+      <p:grpSpPr>
+        <a:xfrm>
+          <a:off x="0" y="0"/>
+          <a:ext cx="0" cy="0"/>
+          <a:chOff x="0" y="0"/>
+          <a:chExt cx="0" cy="0"/>
+        </a:xfrm>
+      </p:grpSpPr>
+      <p:sp>
+        <p:nvSpPr>
+          <p:cNvPr id="2" name="Title 1"/>
+          <p:cNvSpPr>
+            <a:spLocks noGrp="1"/>
+          </p:cNvSpPr>
+          <p:nvPr>
+            <p:ph type="title"/>
+          </p:nvPr>
+        </p:nvSpPr>
+        <p:spPr/>
+        <p:txBody>
+          <a:bodyPr/>
+          <a:lstStyle/>
+          <a:p>
+            <a:r>
+              <a:rPr lang="en-GB" dirty="0"/>
+              <a:t>Benefits of Claimless</a:t>
+            </a:r>
+            <a:endParaRPr lang="en-US" dirty="0"/>
+          </a:p>
+        </p:txBody>
+      </p:sp>
+      <p:pic>
+        <p:nvPicPr>
+          <p:cNvPr id="5" name="Picture 4">
+            <a:extLst>
+              <a:ext uri="{FF2B5EF4-FFF2-40B4-BE49-F238E27FC236}">
+                <a16:creationId xmlns:a16="http://schemas.microsoft.com/office/drawing/2014/main" id="{A0430F65-FED6-4E0E-BCAA-552F508EC5A8}"/>
+              </a:ext>
+            </a:extLst>
+          </p:cNvPr>
+          <p:cNvPicPr>
+            <a:picLocks noChangeAspect="1"/>
+          </p:cNvPicPr>
+          <p:nvPr/>
+        </p:nvPicPr>
+        <p:blipFill>
+          <a:blip r:embed="rId2" cstate="hqprint">
+            <a:extLst>
+              <a:ext uri="{28A0092B-C50C-407E-A947-70E740481C1C}">
+                <a14:useLocalDpi xmlns:a14="http://schemas.microsoft.com/office/drawing/2010/main" val="0"/>
+              </a:ext>
+            </a:extLst>
+          </a:blip>
+          <a:stretch>
+            <a:fillRect/>
+          </a:stretch>
+        </p:blipFill>
+        <p:spPr>
+          <a:xfrm>
+            <a:off x="0" y="6071133"/>
+            <a:ext cx="2173623" cy="786867"/>
+          </a:xfrm>
+          <a:prstGeom prst="rect">
+            <a:avLst/>
+          </a:prstGeom>
+        </p:spPr>
+      </p:pic>
+      <p:sp>
+        <p:nvSpPr>
+          <p:cNvPr id="3" name="Content Placeholder 2"/>
+          <p:cNvSpPr>
+            <a:spLocks noGrp="1"/>
+          </p:cNvSpPr>
+          <p:nvPr>
+            <p:ph idx="1"/>
+          </p:nvPr>
+        </p:nvSpPr>
+        <p:spPr>
+          <a:xfrm>
+            <a:off x="797688" y="1461023"/>
+            <a:ext cx="10515600" cy="4351338"/>
+          </a:xfrm>
+        </p:spPr>
+        <p:txBody>
+          <a:bodyPr/>
+          <a:lstStyle/>
+          <a:p>
+            <a:r>
+              <a:rPr lang="en-GB" dirty="0"/>
+              <a:t>Customers are rewarded for a good insurance history.</a:t>
+            </a:r>
+          </a:p>
+          <a:p>
+            <a:r>
+              <a:rPr lang="en-GB" dirty="0"/>
+              <a:t>Insurance can take place on or off chain.</a:t>
+            </a:r>
+          </a:p>
+          <a:p>
+            <a:r>
+              <a:rPr lang="en-GB" dirty="0"/>
+              <a:t>Insurance providers can attract customers to chosen lines of business.</a:t>
+            </a:r>
+          </a:p>
+          <a:p>
+            <a:r>
+              <a:rPr lang="en-GB" dirty="0"/>
+              <a:t>Customer info available to an insurer:</a:t>
+            </a:r>
+          </a:p>
+          <a:p>
+            <a:pPr lvl="1"/>
+            <a:r>
+              <a:rPr lang="en-GB" dirty="0"/>
+              <a:t>Total premium spend</a:t>
+            </a:r>
+          </a:p>
+          <a:p>
+            <a:pPr lvl="1"/>
+            <a:r>
+              <a:rPr lang="en-GB" dirty="0"/>
+              <a:t>A ratio of policies with a claim / without  a claim (Not a loss ratio!)</a:t>
+            </a:r>
+          </a:p>
+          <a:p>
+            <a:r>
+              <a:rPr lang="en-GB" dirty="0"/>
+              <a:t>Information on other insurers:</a:t>
+            </a:r>
+          </a:p>
+          <a:p>
+            <a:pPr lvl="1"/>
+            <a:r>
+              <a:rPr lang="en-GB" dirty="0"/>
+              <a:t>Total premium collected</a:t>
+            </a:r>
+          </a:p>
+          <a:p>
+            <a:pPr marL="457200" lvl="1" indent="0">
+              <a:buNone/>
+            </a:pPr>
+            <a:r>
+              <a:rPr lang="en-GB" dirty="0"/>
+              <a:t>	</a:t>
+            </a:r>
+          </a:p>
+          <a:p>
+            <a:pPr lvl="1"/>
+            <a:endParaRPr lang="en-GB" dirty="0"/>
+          </a:p>
+          <a:p>
+            <a:pPr marL="0" indent="0">
+              <a:buNone/>
+            </a:pPr>
+            <a:endParaRPr lang="en-GB" dirty="0"/>
+          </a:p>
+          <a:p>
+            <a:endParaRPr lang="en-GB" dirty="0"/>
+          </a:p>
+          <a:p>
+            <a:endParaRPr lang="en-GB" dirty="0"/>
+          </a:p>
+          <a:p>
+            <a:endParaRPr lang="en-US" dirty="0"/>
+          </a:p>
+        </p:txBody>
+      </p:sp>
+    </p:spTree>
+    <p:extLst>
+      <p:ext uri="{BB962C8B-B14F-4D97-AF65-F5344CB8AC3E}">
+        <p14:creationId xmlns:p14="http://schemas.microsoft.com/office/powerpoint/2010/main" val="131802318"/>
+      </p:ext>
+    </p:extLst>
+  </p:cSld>
+  <p:clrMapOvr>
+    <a:masterClrMapping/>
+  </p:clrMapOvr>
+</p:sld>
+</file>
+
+<file path=ppt/slides/slide6.xml><?xml version="1.0" encoding="utf-8"?>
+<p:sld xmlns:a="http://schemas.openxmlformats.org/drawingml/2006/main" xmlns:r="http://schemas.openxmlformats.org/officeDocument/2006/relationships" xmlns:p="http://schemas.openxmlformats.org/presentationml/2006/main">
+  <p:cSld>
+    <p:spTree>
+      <p:nvGrpSpPr>
+        <p:cNvPr id="1" name=""/>
+        <p:cNvGrpSpPr/>
+        <p:nvPr/>
+      </p:nvGrpSpPr>
+      <p:grpSpPr>
+        <a:xfrm>
+          <a:off x="0" y="0"/>
+          <a:ext cx="0" cy="0"/>
+          <a:chOff x="0" y="0"/>
+          <a:chExt cx="0" cy="0"/>
+        </a:xfrm>
+      </p:grpSpPr>
+      <p:sp>
+        <p:nvSpPr>
+          <p:cNvPr id="2" name="Title 1"/>
+          <p:cNvSpPr>
+            <a:spLocks noGrp="1"/>
+          </p:cNvSpPr>
+          <p:nvPr>
+            <p:ph type="title"/>
+          </p:nvPr>
+        </p:nvSpPr>
+        <p:spPr/>
+        <p:txBody>
+          <a:bodyPr/>
+          <a:lstStyle/>
+          <a:p>
+            <a:r>
+              <a:rPr lang="en-GB" dirty="0"/>
+              <a:t>TODO</a:t>
+            </a:r>
+            <a:endParaRPr lang="en-US" dirty="0"/>
+          </a:p>
+        </p:txBody>
+      </p:sp>
+      <p:pic>
+        <p:nvPicPr>
+          <p:cNvPr id="5" name="Picture 4">
+            <a:extLst>
+              <a:ext uri="{FF2B5EF4-FFF2-40B4-BE49-F238E27FC236}">
+                <a16:creationId xmlns:a16="http://schemas.microsoft.com/office/drawing/2014/main" id="{A0430F65-FED6-4E0E-BCAA-552F508EC5A8}"/>
+              </a:ext>
+            </a:extLst>
+          </p:cNvPr>
+          <p:cNvPicPr>
+            <a:picLocks noChangeAspect="1"/>
+          </p:cNvPicPr>
+          <p:nvPr/>
+        </p:nvPicPr>
+        <p:blipFill>
+          <a:blip r:embed="rId2" cstate="hqprint">
+            <a:extLst>
+              <a:ext uri="{28A0092B-C50C-407E-A947-70E740481C1C}">
+                <a14:useLocalDpi xmlns:a14="http://schemas.microsoft.com/office/drawing/2010/main" val="0"/>
+              </a:ext>
+            </a:extLst>
+          </a:blip>
+          <a:stretch>
+            <a:fillRect/>
+          </a:stretch>
+        </p:blipFill>
+        <p:spPr>
+          <a:xfrm>
+            <a:off x="0" y="6071133"/>
+            <a:ext cx="2173623" cy="786867"/>
+          </a:xfrm>
+          <a:prstGeom prst="rect">
+            <a:avLst/>
+          </a:prstGeom>
+        </p:spPr>
+      </p:pic>
+      <p:sp>
+        <p:nvSpPr>
+          <p:cNvPr id="3" name="Content Placeholder 2"/>
+          <p:cNvSpPr>
+            <a:spLocks noGrp="1"/>
+          </p:cNvSpPr>
+          <p:nvPr>
+            <p:ph idx="1"/>
+          </p:nvPr>
+        </p:nvSpPr>
+        <p:spPr>
+          <a:xfrm>
+            <a:off x="797688" y="1461023"/>
+            <a:ext cx="10515600" cy="4351338"/>
+          </a:xfrm>
+        </p:spPr>
+        <p:txBody>
+          <a:bodyPr/>
+          <a:lstStyle/>
+          <a:p>
+            <a:pPr marL="0" indent="0">
+              <a:buNone/>
+            </a:pPr>
+            <a:r>
+              <a:rPr lang="en-GB" dirty="0"/>
+              <a:t>Stuff we had planned but just ran out of time…</a:t>
+            </a:r>
+          </a:p>
+          <a:p>
+            <a:r>
+              <a:rPr lang="en-GB" dirty="0"/>
+              <a:t>A permissions management and an insurance provider register</a:t>
+            </a:r>
+          </a:p>
+          <a:p>
+            <a:r>
+              <a:rPr lang="en-GB" dirty="0"/>
+              <a:t>A method to spend and destroy tokens on </a:t>
+            </a:r>
+            <a:r>
+              <a:rPr lang="en-GB" dirty="0" err="1"/>
+              <a:t>redeemsion</a:t>
+            </a:r>
+            <a:endParaRPr lang="en-GB" dirty="0"/>
+          </a:p>
+          <a:p>
+            <a:pPr marL="0" indent="0">
+              <a:buNone/>
+            </a:pPr>
+            <a:endParaRPr lang="en-GB" dirty="0"/>
+          </a:p>
+          <a:p>
+            <a:pPr marL="457200" lvl="1" indent="0">
+              <a:buNone/>
+            </a:pPr>
+            <a:r>
+              <a:rPr lang="en-GB" dirty="0"/>
+              <a:t>	</a:t>
+            </a:r>
+          </a:p>
+          <a:p>
+            <a:pPr lvl="1"/>
+            <a:endParaRPr lang="en-GB" dirty="0"/>
+          </a:p>
+          <a:p>
+            <a:pPr marL="0" indent="0">
+              <a:buNone/>
+            </a:pPr>
+            <a:endParaRPr lang="en-GB" dirty="0"/>
+          </a:p>
+          <a:p>
+            <a:endParaRPr lang="en-GB" dirty="0"/>
+          </a:p>
+          <a:p>
+            <a:endParaRPr lang="en-GB" dirty="0"/>
+          </a:p>
+          <a:p>
+            <a:endParaRPr lang="en-US" dirty="0"/>
+          </a:p>
+        </p:txBody>
+      </p:sp>
+    </p:spTree>
+    <p:extLst>
+      <p:ext uri="{BB962C8B-B14F-4D97-AF65-F5344CB8AC3E}">
+        <p14:creationId xmlns:p14="http://schemas.microsoft.com/office/powerpoint/2010/main" val="3900672130"/>
       </p:ext>
     </p:extLst>
   </p:cSld>

--- a/Claimless - Pitch.pptx
+++ b/Claimless - Pitch.pptx
@@ -2983,7 +2983,7 @@
           <p:cNvPr id="5" name="Picture 4">
             <a:extLst>
               <a:ext uri="{FF2B5EF4-FFF2-40B4-BE49-F238E27FC236}">
-                <a16:creationId xmlns:a16="http://schemas.microsoft.com/office/drawing/2014/main" id="{C21F03D9-D255-4BAF-BBEF-9696EE031703}"/>
+                <a16:creationId xmlns:a16="http://schemas.microsoft.com/office/drawing/2014/main" xmlns="" id="{C21F03D9-D255-4BAF-BBEF-9696EE031703}"/>
               </a:ext>
             </a:extLst>
           </p:cNvPr>
@@ -3006,8 +3006,8 @@
         </p:blipFill>
         <p:spPr>
           <a:xfrm>
-            <a:off x="2665730" y="1864387"/>
-            <a:ext cx="7086964" cy="2565532"/>
+            <a:off x="1254940" y="1635518"/>
+            <a:ext cx="9908544" cy="3586964"/>
           </a:xfrm>
           <a:prstGeom prst="rect">
             <a:avLst/>
@@ -3049,7 +3049,7 @@
           <p:cNvPr id="2" name="Title 1">
             <a:extLst>
               <a:ext uri="{FF2B5EF4-FFF2-40B4-BE49-F238E27FC236}">
-                <a16:creationId xmlns:a16="http://schemas.microsoft.com/office/drawing/2014/main" id="{5D243D52-5A28-4854-A962-EE1EC8A687A0}"/>
+                <a16:creationId xmlns:a16="http://schemas.microsoft.com/office/drawing/2014/main" xmlns="" id="{5D243D52-5A28-4854-A962-EE1EC8A687A0}"/>
               </a:ext>
             </a:extLst>
           </p:cNvPr>
@@ -3066,7 +3066,14 @@
           <a:lstStyle/>
           <a:p>
             <a:r>
-              <a:rPr lang="en-GB" b="1" dirty="0"/>
+              <a:rPr lang="en-GB" b="1" dirty="0">
+                <a:solidFill>
+                  <a:srgbClr val="144C71"/>
+                </a:solidFill>
+                <a:latin typeface="Source Sans Pro Black" charset="0"/>
+                <a:ea typeface="Source Sans Pro Black" charset="0"/>
+                <a:cs typeface="Source Sans Pro Black" charset="0"/>
+              </a:rPr>
               <a:t>Problem</a:t>
             </a:r>
           </a:p>
@@ -3077,7 +3084,7 @@
           <p:cNvPr id="3" name="Content Placeholder 2">
             <a:extLst>
               <a:ext uri="{FF2B5EF4-FFF2-40B4-BE49-F238E27FC236}">
-                <a16:creationId xmlns:a16="http://schemas.microsoft.com/office/drawing/2014/main" id="{0437BF45-5AB5-4C2A-8C06-6A2804E9F027}"/>
+                <a16:creationId xmlns:a16="http://schemas.microsoft.com/office/drawing/2014/main" xmlns="" id="{0437BF45-5AB5-4C2A-8C06-6A2804E9F027}"/>
               </a:ext>
             </a:extLst>
           </p:cNvPr>
@@ -3099,18 +3106,39 @@
           <a:lstStyle/>
           <a:p>
             <a:r>
-              <a:rPr lang="en-GB" dirty="0"/>
+              <a:rPr lang="en-GB" dirty="0">
+                <a:solidFill>
+                  <a:srgbClr val="144C71"/>
+                </a:solidFill>
+                <a:latin typeface="Source Sans Pro Light" charset="0"/>
+                <a:ea typeface="Source Sans Pro Light" charset="0"/>
+                <a:cs typeface="Source Sans Pro Light" charset="0"/>
+              </a:rPr>
               <a:t>There is no easy way to prove your personal claim history and benefit from it.</a:t>
             </a:r>
           </a:p>
           <a:p>
             <a:r>
-              <a:rPr lang="en-GB" dirty="0"/>
+              <a:rPr lang="en-GB" dirty="0">
+                <a:solidFill>
+                  <a:srgbClr val="144C71"/>
+                </a:solidFill>
+                <a:latin typeface="Source Sans Pro Light" charset="0"/>
+                <a:ea typeface="Source Sans Pro Light" charset="0"/>
+                <a:cs typeface="Source Sans Pro Light" charset="0"/>
+              </a:rPr>
               <a:t>There is no way to prove you are not a fraud risk.</a:t>
             </a:r>
           </a:p>
           <a:p>
-            <a:endParaRPr lang="en-GB" dirty="0"/>
+            <a:endParaRPr lang="en-GB" dirty="0">
+              <a:solidFill>
+                <a:srgbClr val="144C71"/>
+              </a:solidFill>
+              <a:latin typeface="Source Sans Pro Light" charset="0"/>
+              <a:ea typeface="Source Sans Pro Light" charset="0"/>
+              <a:cs typeface="Source Sans Pro Light" charset="0"/>
+            </a:endParaRPr>
           </a:p>
         </p:txBody>
       </p:sp>
@@ -3119,7 +3147,7 @@
           <p:cNvPr id="5" name="Picture 4">
             <a:extLst>
               <a:ext uri="{FF2B5EF4-FFF2-40B4-BE49-F238E27FC236}">
-                <a16:creationId xmlns:a16="http://schemas.microsoft.com/office/drawing/2014/main" id="{A0430F65-FED6-4E0E-BCAA-552F508EC5A8}"/>
+                <a16:creationId xmlns:a16="http://schemas.microsoft.com/office/drawing/2014/main" xmlns="" id="{A0430F65-FED6-4E0E-BCAA-552F508EC5A8}"/>
               </a:ext>
             </a:extLst>
           </p:cNvPr>
@@ -3142,8 +3170,38 @@
         </p:blipFill>
         <p:spPr>
           <a:xfrm>
-            <a:off x="273487" y="6071133"/>
-            <a:ext cx="2173623" cy="786867"/>
+            <a:off x="730202" y="5708005"/>
+            <a:ext cx="3129255" cy="1132813"/>
+          </a:xfrm>
+          <a:prstGeom prst="rect">
+            <a:avLst/>
+          </a:prstGeom>
+        </p:spPr>
+      </p:pic>
+      <p:pic>
+        <p:nvPicPr>
+          <p:cNvPr id="4" name="Picture 3"/>
+          <p:cNvPicPr>
+            <a:picLocks noChangeAspect="1"/>
+          </p:cNvPicPr>
+          <p:nvPr/>
+        </p:nvPicPr>
+        <p:blipFill>
+          <a:blip r:embed="rId3">
+            <a:extLst>
+              <a:ext uri="{28A0092B-C50C-407E-A947-70E740481C1C}">
+                <a14:useLocalDpi xmlns:a14="http://schemas.microsoft.com/office/drawing/2010/main" val="0"/>
+              </a:ext>
+            </a:extLst>
+          </a:blip>
+          <a:stretch>
+            <a:fillRect/>
+          </a:stretch>
+        </p:blipFill>
+        <p:spPr>
+          <a:xfrm>
+            <a:off x="9890267" y="4263277"/>
+            <a:ext cx="1801277" cy="2160000"/>
           </a:xfrm>
           <a:prstGeom prst="rect">
             <a:avLst/>
@@ -3196,7 +3254,14 @@
           <a:lstStyle/>
           <a:p>
             <a:r>
-              <a:rPr lang="en-GB" b="1" dirty="0"/>
+              <a:rPr lang="en-GB" b="1" dirty="0">
+                <a:solidFill>
+                  <a:srgbClr val="144C71"/>
+                </a:solidFill>
+                <a:latin typeface="Source Sans Pro Black" charset="0"/>
+                <a:ea typeface="Source Sans Pro Black" charset="0"/>
+                <a:cs typeface="Source Sans Pro Black" charset="0"/>
+              </a:rPr>
               <a:t>Solution</a:t>
             </a:r>
           </a:p>
@@ -3218,13 +3283,27 @@
           <a:lstStyle/>
           <a:p>
             <a:r>
-              <a:rPr lang="en-GB" dirty="0"/>
+              <a:rPr lang="en-GB" dirty="0">
+                <a:solidFill>
+                  <a:srgbClr val="144C71"/>
+                </a:solidFill>
+                <a:latin typeface="Source Sans Pro Light" charset="0"/>
+                <a:ea typeface="Source Sans Pro Light" charset="0"/>
+                <a:cs typeface="Source Sans Pro Light" charset="0"/>
+              </a:rPr>
               <a:t>Incentivise customers to share some high level info about their insurance history. </a:t>
             </a:r>
           </a:p>
           <a:p>
             <a:r>
-              <a:rPr lang="en-GB" dirty="0"/>
+              <a:rPr lang="en-GB" dirty="0">
+                <a:solidFill>
+                  <a:srgbClr val="144C71"/>
+                </a:solidFill>
+                <a:latin typeface="Source Sans Pro Light" charset="0"/>
+                <a:ea typeface="Source Sans Pro Light" charset="0"/>
+                <a:cs typeface="Source Sans Pro Light" charset="0"/>
+              </a:rPr>
               <a:t>Tokenize the value of a good claim history</a:t>
             </a:r>
           </a:p>
@@ -3232,10 +3311,10 @@
       </p:sp>
       <p:pic>
         <p:nvPicPr>
-          <p:cNvPr id="6" name="Picture 5">
+          <p:cNvPr id="5" name="Picture 4">
             <a:extLst>
               <a:ext uri="{FF2B5EF4-FFF2-40B4-BE49-F238E27FC236}">
-                <a16:creationId xmlns:a16="http://schemas.microsoft.com/office/drawing/2014/main" id="{A0430F65-FED6-4E0E-BCAA-552F508EC5A8}"/>
+                <a16:creationId xmlns:a16="http://schemas.microsoft.com/office/drawing/2014/main" xmlns="" id="{A0430F65-FED6-4E0E-BCAA-552F508EC5A8}"/>
               </a:ext>
             </a:extLst>
           </p:cNvPr>
@@ -3258,8 +3337,38 @@
         </p:blipFill>
         <p:spPr>
           <a:xfrm>
-            <a:off x="273487" y="6071133"/>
-            <a:ext cx="2173623" cy="786867"/>
+            <a:off x="730202" y="5708005"/>
+            <a:ext cx="3129255" cy="1132813"/>
+          </a:xfrm>
+          <a:prstGeom prst="rect">
+            <a:avLst/>
+          </a:prstGeom>
+        </p:spPr>
+      </p:pic>
+      <p:pic>
+        <p:nvPicPr>
+          <p:cNvPr id="4" name="Picture 3"/>
+          <p:cNvPicPr>
+            <a:picLocks noChangeAspect="1"/>
+          </p:cNvPicPr>
+          <p:nvPr/>
+        </p:nvPicPr>
+        <p:blipFill>
+          <a:blip r:embed="rId3">
+            <a:extLst>
+              <a:ext uri="{28A0092B-C50C-407E-A947-70E740481C1C}">
+                <a14:useLocalDpi xmlns:a14="http://schemas.microsoft.com/office/drawing/2010/main" val="0"/>
+              </a:ext>
+            </a:extLst>
+          </a:blip>
+          <a:stretch>
+            <a:fillRect/>
+          </a:stretch>
+        </p:blipFill>
+        <p:spPr>
+          <a:xfrm>
+            <a:off x="9882200" y="4262606"/>
+            <a:ext cx="1801276" cy="2160000"/>
           </a:xfrm>
           <a:prstGeom prst="rect">
             <a:avLst/>
@@ -3298,10 +3407,10 @@
       </p:grpSpPr>
       <p:pic>
         <p:nvPicPr>
-          <p:cNvPr id="3" name="Picture 2">
+          <p:cNvPr id="7" name="Picture 6">
             <a:extLst>
               <a:ext uri="{FF2B5EF4-FFF2-40B4-BE49-F238E27FC236}">
-                <a16:creationId xmlns:a16="http://schemas.microsoft.com/office/drawing/2014/main" id="{A0430F65-FED6-4E0E-BCAA-552F508EC5A8}"/>
+                <a16:creationId xmlns:a16="http://schemas.microsoft.com/office/drawing/2014/main" xmlns="" id="{C21F03D9-D255-4BAF-BBEF-9696EE031703}"/>
               </a:ext>
             </a:extLst>
           </p:cNvPr>
@@ -3311,7 +3420,7 @@
           <p:nvPr/>
         </p:nvPicPr>
         <p:blipFill>
-          <a:blip r:embed="rId2" cstate="hqprint">
+          <a:blip r:embed="rId2">
             <a:extLst>
               <a:ext uri="{28A0092B-C50C-407E-A947-70E740481C1C}">
                 <a14:useLocalDpi xmlns:a14="http://schemas.microsoft.com/office/drawing/2010/main" val="0"/>
@@ -3324,8 +3433,8 @@
         </p:blipFill>
         <p:spPr>
           <a:xfrm>
-            <a:off x="273487" y="6071133"/>
-            <a:ext cx="2173623" cy="786867"/>
+            <a:off x="1141728" y="1635518"/>
+            <a:ext cx="9908544" cy="3586964"/>
           </a:xfrm>
           <a:prstGeom prst="rect">
             <a:avLst/>
@@ -3334,10 +3443,10 @@
       </p:pic>
       <p:sp>
         <p:nvSpPr>
-          <p:cNvPr id="4" name="Content Placeholder 3">
+          <p:cNvPr id="6" name="Title 1">
             <a:extLst>
               <a:ext uri="{FF2B5EF4-FFF2-40B4-BE49-F238E27FC236}">
-                <a16:creationId xmlns:a16="http://schemas.microsoft.com/office/drawing/2014/main" id="{63FD8AB0-20FF-48ED-A2E2-4353FD991E33}"/>
+                <a16:creationId xmlns:a16="http://schemas.microsoft.com/office/drawing/2014/main" xmlns="" id="{5D243D52-5A28-4854-A962-EE1EC8A687A0}"/>
               </a:ext>
             </a:extLst>
           </p:cNvPr>
@@ -3345,18 +3454,41 @@
             <a:spLocks noGrp="1"/>
           </p:cNvSpPr>
           <p:nvPr>
-            <p:ph idx="1"/>
-          </p:nvPr>
-        </p:nvSpPr>
-        <p:spPr/>
-        <p:txBody>
-          <a:bodyPr/>
-          <a:lstStyle/>
-          <a:p>
-            <a:r>
-              <a:rPr lang="en-GB" dirty="0"/>
-              <a:t>Demo and walk through</a:t>
-            </a:r>
+            <p:ph type="title"/>
+          </p:nvPr>
+        </p:nvSpPr>
+        <p:spPr>
+          <a:xfrm>
+            <a:off x="838200" y="5007415"/>
+            <a:ext cx="10515600" cy="430133"/>
+          </a:xfrm>
+        </p:spPr>
+        <p:txBody>
+          <a:bodyPr>
+            <a:normAutofit/>
+          </a:bodyPr>
+          <a:lstStyle/>
+          <a:p>
+            <a:pPr algn="ctr"/>
+            <a:r>
+              <a:rPr lang="en-GB" sz="2400" dirty="0" smtClean="0">
+                <a:solidFill>
+                  <a:srgbClr val="144C71"/>
+                </a:solidFill>
+                <a:latin typeface="Source Sans Pro Light" charset="0"/>
+                <a:ea typeface="Source Sans Pro Light" charset="0"/>
+                <a:cs typeface="Source Sans Pro Light" charset="0"/>
+              </a:rPr>
+              <a:t>Demonstration</a:t>
+            </a:r>
+            <a:endParaRPr lang="en-GB" sz="2400" dirty="0">
+              <a:solidFill>
+                <a:srgbClr val="144C71"/>
+              </a:solidFill>
+              <a:latin typeface="Source Sans Pro Light" charset="0"/>
+              <a:ea typeface="Source Sans Pro Light" charset="0"/>
+              <a:cs typeface="Source Sans Pro Light" charset="0"/>
+            </a:endParaRPr>
           </a:p>
         </p:txBody>
       </p:sp>
@@ -3406,19 +3538,231 @@
           <a:lstStyle/>
           <a:p>
             <a:r>
-              <a:rPr lang="en-GB" dirty="0"/>
+              <a:rPr lang="en-GB" b="1" dirty="0">
+                <a:solidFill>
+                  <a:srgbClr val="144C71"/>
+                </a:solidFill>
+                <a:latin typeface="Source Sans Pro Black" charset="0"/>
+                <a:ea typeface="Source Sans Pro Black" charset="0"/>
+                <a:cs typeface="Source Sans Pro Black" charset="0"/>
+              </a:rPr>
               <a:t>Benefits of Claimless</a:t>
             </a:r>
-            <a:endParaRPr lang="en-US" dirty="0"/>
+            <a:endParaRPr lang="en-US" b="1" dirty="0">
+              <a:solidFill>
+                <a:srgbClr val="144C71"/>
+              </a:solidFill>
+              <a:latin typeface="Source Sans Pro Black" charset="0"/>
+              <a:ea typeface="Source Sans Pro Black" charset="0"/>
+              <a:cs typeface="Source Sans Pro Black" charset="0"/>
+            </a:endParaRPr>
+          </a:p>
+        </p:txBody>
+      </p:sp>
+      <p:sp>
+        <p:nvSpPr>
+          <p:cNvPr id="3" name="Content Placeholder 2"/>
+          <p:cNvSpPr>
+            <a:spLocks noGrp="1"/>
+          </p:cNvSpPr>
+          <p:nvPr>
+            <p:ph idx="1"/>
+          </p:nvPr>
+        </p:nvSpPr>
+        <p:spPr>
+          <a:xfrm>
+            <a:off x="797688" y="1461023"/>
+            <a:ext cx="10515600" cy="4351338"/>
+          </a:xfrm>
+        </p:spPr>
+        <p:txBody>
+          <a:bodyPr/>
+          <a:lstStyle/>
+          <a:p>
+            <a:r>
+              <a:rPr lang="en-GB" dirty="0">
+                <a:solidFill>
+                  <a:srgbClr val="144C71"/>
+                </a:solidFill>
+                <a:latin typeface="Source Sans Pro Light" charset="0"/>
+                <a:ea typeface="Source Sans Pro Light" charset="0"/>
+                <a:cs typeface="Source Sans Pro Light" charset="0"/>
+              </a:rPr>
+              <a:t>Customers are rewarded for a good insurance history.</a:t>
+            </a:r>
+          </a:p>
+          <a:p>
+            <a:r>
+              <a:rPr lang="en-GB" dirty="0">
+                <a:solidFill>
+                  <a:srgbClr val="144C71"/>
+                </a:solidFill>
+                <a:latin typeface="Source Sans Pro Light" charset="0"/>
+                <a:ea typeface="Source Sans Pro Light" charset="0"/>
+                <a:cs typeface="Source Sans Pro Light" charset="0"/>
+              </a:rPr>
+              <a:t>Insurance can take place on or off chain.</a:t>
+            </a:r>
+          </a:p>
+          <a:p>
+            <a:r>
+              <a:rPr lang="en-GB" dirty="0">
+                <a:solidFill>
+                  <a:srgbClr val="144C71"/>
+                </a:solidFill>
+                <a:latin typeface="Source Sans Pro Light" charset="0"/>
+                <a:ea typeface="Source Sans Pro Light" charset="0"/>
+                <a:cs typeface="Source Sans Pro Light" charset="0"/>
+              </a:rPr>
+              <a:t>Insurance providers can attract customers to chosen lines of business.</a:t>
+            </a:r>
+          </a:p>
+          <a:p>
+            <a:r>
+              <a:rPr lang="en-GB" dirty="0">
+                <a:solidFill>
+                  <a:srgbClr val="144C71"/>
+                </a:solidFill>
+                <a:latin typeface="Source Sans Pro Light" charset="0"/>
+                <a:ea typeface="Source Sans Pro Light" charset="0"/>
+                <a:cs typeface="Source Sans Pro Light" charset="0"/>
+              </a:rPr>
+              <a:t>Customer info available to an insurer:</a:t>
+            </a:r>
+          </a:p>
+          <a:p>
+            <a:pPr lvl="1"/>
+            <a:r>
+              <a:rPr lang="en-GB" dirty="0">
+                <a:solidFill>
+                  <a:srgbClr val="144C71"/>
+                </a:solidFill>
+                <a:latin typeface="Source Sans Pro Light" charset="0"/>
+                <a:ea typeface="Source Sans Pro Light" charset="0"/>
+                <a:cs typeface="Source Sans Pro Light" charset="0"/>
+              </a:rPr>
+              <a:t>Total premium spend</a:t>
+            </a:r>
+          </a:p>
+          <a:p>
+            <a:pPr lvl="1"/>
+            <a:r>
+              <a:rPr lang="en-GB" dirty="0">
+                <a:solidFill>
+                  <a:srgbClr val="144C71"/>
+                </a:solidFill>
+                <a:latin typeface="Source Sans Pro Light" charset="0"/>
+                <a:ea typeface="Source Sans Pro Light" charset="0"/>
+                <a:cs typeface="Source Sans Pro Light" charset="0"/>
+              </a:rPr>
+              <a:t>A ratio of policies with a claim / without  a claim (Not a loss ratio!)</a:t>
+            </a:r>
+          </a:p>
+          <a:p>
+            <a:r>
+              <a:rPr lang="en-GB" dirty="0">
+                <a:solidFill>
+                  <a:srgbClr val="144C71"/>
+                </a:solidFill>
+                <a:latin typeface="Source Sans Pro Light" charset="0"/>
+                <a:ea typeface="Source Sans Pro Light" charset="0"/>
+                <a:cs typeface="Source Sans Pro Light" charset="0"/>
+              </a:rPr>
+              <a:t>Information on other insurers:</a:t>
+            </a:r>
+          </a:p>
+          <a:p>
+            <a:pPr lvl="1"/>
+            <a:r>
+              <a:rPr lang="en-GB" dirty="0">
+                <a:solidFill>
+                  <a:srgbClr val="144C71"/>
+                </a:solidFill>
+                <a:latin typeface="Source Sans Pro Light" charset="0"/>
+                <a:ea typeface="Source Sans Pro Light" charset="0"/>
+                <a:cs typeface="Source Sans Pro Light" charset="0"/>
+              </a:rPr>
+              <a:t>Total premium collected</a:t>
+            </a:r>
+          </a:p>
+          <a:p>
+            <a:pPr marL="457200" lvl="1" indent="0">
+              <a:buNone/>
+            </a:pPr>
+            <a:r>
+              <a:rPr lang="en-GB" dirty="0">
+                <a:solidFill>
+                  <a:srgbClr val="144C71"/>
+                </a:solidFill>
+                <a:latin typeface="Source Sans Pro Light" charset="0"/>
+                <a:ea typeface="Source Sans Pro Light" charset="0"/>
+                <a:cs typeface="Source Sans Pro Light" charset="0"/>
+              </a:rPr>
+              <a:t>	</a:t>
+            </a:r>
+          </a:p>
+          <a:p>
+            <a:pPr lvl="1"/>
+            <a:endParaRPr lang="en-GB" dirty="0">
+              <a:solidFill>
+                <a:srgbClr val="144C71"/>
+              </a:solidFill>
+              <a:latin typeface="Source Sans Pro Light" charset="0"/>
+              <a:ea typeface="Source Sans Pro Light" charset="0"/>
+              <a:cs typeface="Source Sans Pro Light" charset="0"/>
+            </a:endParaRPr>
+          </a:p>
+          <a:p>
+            <a:pPr marL="0" indent="0">
+              <a:buNone/>
+            </a:pPr>
+            <a:endParaRPr lang="en-GB" dirty="0">
+              <a:solidFill>
+                <a:srgbClr val="144C71"/>
+              </a:solidFill>
+              <a:latin typeface="Source Sans Pro Light" charset="0"/>
+              <a:ea typeface="Source Sans Pro Light" charset="0"/>
+              <a:cs typeface="Source Sans Pro Light" charset="0"/>
+            </a:endParaRPr>
+          </a:p>
+          <a:p>
+            <a:endParaRPr lang="en-GB" dirty="0">
+              <a:solidFill>
+                <a:srgbClr val="144C71"/>
+              </a:solidFill>
+              <a:latin typeface="Source Sans Pro Light" charset="0"/>
+              <a:ea typeface="Source Sans Pro Light" charset="0"/>
+              <a:cs typeface="Source Sans Pro Light" charset="0"/>
+            </a:endParaRPr>
+          </a:p>
+          <a:p>
+            <a:endParaRPr lang="en-GB" dirty="0">
+              <a:solidFill>
+                <a:srgbClr val="144C71"/>
+              </a:solidFill>
+              <a:latin typeface="Source Sans Pro Light" charset="0"/>
+              <a:ea typeface="Source Sans Pro Light" charset="0"/>
+              <a:cs typeface="Source Sans Pro Light" charset="0"/>
+            </a:endParaRPr>
+          </a:p>
+          <a:p>
+            <a:endParaRPr lang="en-US" dirty="0">
+              <a:solidFill>
+                <a:srgbClr val="144C71"/>
+              </a:solidFill>
+              <a:latin typeface="Source Sans Pro Light" charset="0"/>
+              <a:ea typeface="Source Sans Pro Light" charset="0"/>
+              <a:cs typeface="Source Sans Pro Light" charset="0"/>
+            </a:endParaRPr>
           </a:p>
         </p:txBody>
       </p:sp>
       <p:pic>
         <p:nvPicPr>
-          <p:cNvPr id="5" name="Picture 4">
+          <p:cNvPr id="6" name="Picture 5">
             <a:extLst>
               <a:ext uri="{FF2B5EF4-FFF2-40B4-BE49-F238E27FC236}">
-                <a16:creationId xmlns:a16="http://schemas.microsoft.com/office/drawing/2014/main" id="{A0430F65-FED6-4E0E-BCAA-552F508EC5A8}"/>
+                <a16:creationId xmlns:a16="http://schemas.microsoft.com/office/drawing/2014/main" xmlns="" id="{A0430F65-FED6-4E0E-BCAA-552F508EC5A8}"/>
               </a:ext>
             </a:extLst>
           </p:cNvPr>
@@ -3441,114 +3785,44 @@
         </p:blipFill>
         <p:spPr>
           <a:xfrm>
-            <a:off x="0" y="6071133"/>
-            <a:ext cx="2173623" cy="786867"/>
+            <a:off x="730202" y="5708005"/>
+            <a:ext cx="3129255" cy="1132813"/>
           </a:xfrm>
           <a:prstGeom prst="rect">
             <a:avLst/>
           </a:prstGeom>
         </p:spPr>
       </p:pic>
-      <p:sp>
-        <p:nvSpPr>
-          <p:cNvPr id="3" name="Content Placeholder 2"/>
-          <p:cNvSpPr>
-            <a:spLocks noGrp="1"/>
-          </p:cNvSpPr>
-          <p:nvPr>
-            <p:ph idx="1"/>
-          </p:nvPr>
-        </p:nvSpPr>
+      <p:pic>
+        <p:nvPicPr>
+          <p:cNvPr id="4" name="Picture 3"/>
+          <p:cNvPicPr>
+            <a:picLocks noChangeAspect="1"/>
+          </p:cNvPicPr>
+          <p:nvPr/>
+        </p:nvPicPr>
+        <p:blipFill>
+          <a:blip r:embed="rId3">
+            <a:extLst>
+              <a:ext uri="{28A0092B-C50C-407E-A947-70E740481C1C}">
+                <a14:useLocalDpi xmlns:a14="http://schemas.microsoft.com/office/drawing/2010/main" val="0"/>
+              </a:ext>
+            </a:extLst>
+          </a:blip>
+          <a:stretch>
+            <a:fillRect/>
+          </a:stretch>
+        </p:blipFill>
         <p:spPr>
           <a:xfrm>
-            <a:off x="797688" y="1461023"/>
-            <a:ext cx="10515600" cy="4351338"/>
+            <a:off x="9882874" y="4258727"/>
+            <a:ext cx="1801276" cy="2160000"/>
           </a:xfrm>
+          <a:prstGeom prst="rect">
+            <a:avLst/>
+          </a:prstGeom>
         </p:spPr>
-        <p:txBody>
-          <a:bodyPr/>
-          <a:lstStyle/>
-          <a:p>
-            <a:r>
-              <a:rPr lang="en-GB" dirty="0"/>
-              <a:t>Customers are rewarded for a good insurance history.</a:t>
-            </a:r>
-          </a:p>
-          <a:p>
-            <a:r>
-              <a:rPr lang="en-GB" dirty="0"/>
-              <a:t>Insurance can take place on or off chain.</a:t>
-            </a:r>
-          </a:p>
-          <a:p>
-            <a:r>
-              <a:rPr lang="en-GB" dirty="0"/>
-              <a:t>Insurance providers can attract customers to chosen lines of business.</a:t>
-            </a:r>
-          </a:p>
-          <a:p>
-            <a:r>
-              <a:rPr lang="en-GB" dirty="0"/>
-              <a:t>Customer info available to an insurer:</a:t>
-            </a:r>
-          </a:p>
-          <a:p>
-            <a:pPr lvl="1"/>
-            <a:r>
-              <a:rPr lang="en-GB" dirty="0"/>
-              <a:t>Total premium spend</a:t>
-            </a:r>
-          </a:p>
-          <a:p>
-            <a:pPr lvl="1"/>
-            <a:r>
-              <a:rPr lang="en-GB" dirty="0"/>
-              <a:t>A ratio of policies with a claim / without  a claim (Not a loss ratio!)</a:t>
-            </a:r>
-          </a:p>
-          <a:p>
-            <a:r>
-              <a:rPr lang="en-GB" dirty="0"/>
-              <a:t>Information on other insurers:</a:t>
-            </a:r>
-          </a:p>
-          <a:p>
-            <a:pPr lvl="1"/>
-            <a:r>
-              <a:rPr lang="en-GB" dirty="0"/>
-              <a:t>Total premium collected</a:t>
-            </a:r>
-          </a:p>
-          <a:p>
-            <a:pPr marL="457200" lvl="1" indent="0">
-              <a:buNone/>
-            </a:pPr>
-            <a:r>
-              <a:rPr lang="en-GB" dirty="0"/>
-              <a:t>	</a:t>
-            </a:r>
-          </a:p>
-          <a:p>
-            <a:pPr lvl="1"/>
-            <a:endParaRPr lang="en-GB" dirty="0"/>
-          </a:p>
-          <a:p>
-            <a:pPr marL="0" indent="0">
-              <a:buNone/>
-            </a:pPr>
-            <a:endParaRPr lang="en-GB" dirty="0"/>
-          </a:p>
-          <a:p>
-            <a:endParaRPr lang="en-GB" dirty="0"/>
-          </a:p>
-          <a:p>
-            <a:endParaRPr lang="en-GB" dirty="0"/>
-          </a:p>
-          <a:p>
-            <a:endParaRPr lang="en-US" dirty="0"/>
-          </a:p>
-        </p:txBody>
-      </p:sp>
+      </p:pic>
     </p:spTree>
     <p:extLst>
       <p:ext uri="{BB962C8B-B14F-4D97-AF65-F5344CB8AC3E}">
@@ -3579,35 +3853,12 @@
           <a:chExt cx="0" cy="0"/>
         </a:xfrm>
       </p:grpSpPr>
-      <p:sp>
-        <p:nvSpPr>
-          <p:cNvPr id="2" name="Title 1"/>
-          <p:cNvSpPr>
-            <a:spLocks noGrp="1"/>
-          </p:cNvSpPr>
-          <p:nvPr>
-            <p:ph type="title"/>
-          </p:nvPr>
-        </p:nvSpPr>
-        <p:spPr/>
-        <p:txBody>
-          <a:bodyPr/>
-          <a:lstStyle/>
-          <a:p>
-            <a:r>
-              <a:rPr lang="en-GB" dirty="0"/>
-              <a:t>TODO</a:t>
-            </a:r>
-            <a:endParaRPr lang="en-US" dirty="0"/>
-          </a:p>
-        </p:txBody>
-      </p:sp>
       <p:pic>
         <p:nvPicPr>
-          <p:cNvPr id="5" name="Picture 4">
+          <p:cNvPr id="6" name="Picture 5">
             <a:extLst>
               <a:ext uri="{FF2B5EF4-FFF2-40B4-BE49-F238E27FC236}">
-                <a16:creationId xmlns:a16="http://schemas.microsoft.com/office/drawing/2014/main" id="{A0430F65-FED6-4E0E-BCAA-552F508EC5A8}"/>
+                <a16:creationId xmlns:a16="http://schemas.microsoft.com/office/drawing/2014/main" xmlns="" id="{A0430F65-FED6-4E0E-BCAA-552F508EC5A8}"/>
               </a:ext>
             </a:extLst>
           </p:cNvPr>
@@ -3630,8 +3881,8 @@
         </p:blipFill>
         <p:spPr>
           <a:xfrm>
-            <a:off x="0" y="6071133"/>
-            <a:ext cx="2173623" cy="786867"/>
+            <a:off x="730202" y="5708005"/>
+            <a:ext cx="3129255" cy="1132813"/>
           </a:xfrm>
           <a:prstGeom prst="rect">
             <a:avLst/>
@@ -3640,82 +3891,439 @@
       </p:pic>
       <p:sp>
         <p:nvSpPr>
-          <p:cNvPr id="3" name="Content Placeholder 2"/>
-          <p:cNvSpPr>
-            <a:spLocks noGrp="1"/>
-          </p:cNvSpPr>
-          <p:nvPr>
-            <p:ph idx="1"/>
-          </p:nvPr>
+          <p:cNvPr id="8" name="Title 1">
+            <a:extLst>
+              <a:ext uri="{FF2B5EF4-FFF2-40B4-BE49-F238E27FC236}">
+                <a16:creationId xmlns:a16="http://schemas.microsoft.com/office/drawing/2014/main" xmlns="" id="{5D243D52-5A28-4854-A962-EE1EC8A687A0}"/>
+              </a:ext>
+            </a:extLst>
+          </p:cNvPr>
+          <p:cNvSpPr txBox="1">
+            <a:spLocks/>
+          </p:cNvSpPr>
+          <p:nvPr/>
         </p:nvSpPr>
         <p:spPr>
           <a:xfrm>
-            <a:off x="797688" y="1461023"/>
+            <a:off x="856128" y="517525"/>
+            <a:ext cx="10515600" cy="1325563"/>
+          </a:xfrm>
+          <a:prstGeom prst="rect">
+            <a:avLst/>
+          </a:prstGeom>
+        </p:spPr>
+        <p:txBody>
+          <a:bodyPr vert="horz" lIns="91440" tIns="45720" rIns="91440" bIns="45720" rtlCol="0" anchor="ctr">
+            <a:normAutofit/>
+          </a:bodyPr>
+          <a:lstStyle>
+            <a:lvl1pPr algn="l" defTabSz="914400" rtl="0" eaLnBrk="1" latinLnBrk="0" hangingPunct="1">
+              <a:lnSpc>
+                <a:spcPct val="90000"/>
+              </a:lnSpc>
+              <a:spcBef>
+                <a:spcPct val="0"/>
+              </a:spcBef>
+              <a:buNone/>
+              <a:defRPr sz="4400" kern="1200">
+                <a:solidFill>
+                  <a:schemeClr val="tx1"/>
+                </a:solidFill>
+                <a:latin typeface="+mj-lt"/>
+                <a:ea typeface="+mj-ea"/>
+                <a:cs typeface="+mj-cs"/>
+              </a:defRPr>
+            </a:lvl1pPr>
+          </a:lstStyle>
+          <a:p>
+            <a:endParaRPr lang="en-GB" b="1" dirty="0">
+              <a:solidFill>
+                <a:srgbClr val="144C71"/>
+              </a:solidFill>
+              <a:latin typeface="Source Sans Pro Black" charset="0"/>
+              <a:ea typeface="Source Sans Pro Black" charset="0"/>
+              <a:cs typeface="Source Sans Pro Black" charset="0"/>
+            </a:endParaRPr>
+          </a:p>
+        </p:txBody>
+      </p:sp>
+      <p:sp>
+        <p:nvSpPr>
+          <p:cNvPr id="9" name="Title 1">
+            <a:extLst>
+              <a:ext uri="{FF2B5EF4-FFF2-40B4-BE49-F238E27FC236}">
+                <a16:creationId xmlns:a16="http://schemas.microsoft.com/office/drawing/2014/main" xmlns="" id="{5D243D52-5A28-4854-A962-EE1EC8A687A0}"/>
+              </a:ext>
+            </a:extLst>
+          </p:cNvPr>
+          <p:cNvSpPr>
+            <a:spLocks noGrp="1"/>
+          </p:cNvSpPr>
+          <p:nvPr>
+            <p:ph type="title"/>
+          </p:nvPr>
+        </p:nvSpPr>
+        <p:spPr>
+          <a:xfrm>
+            <a:off x="838200" y="365125"/>
+            <a:ext cx="10515600" cy="1325563"/>
+          </a:xfrm>
+        </p:spPr>
+        <p:txBody>
+          <a:bodyPr/>
+          <a:lstStyle/>
+          <a:p>
+            <a:r>
+              <a:rPr lang="en-GB" b="1" dirty="0">
+                <a:solidFill>
+                  <a:srgbClr val="144C71"/>
+                </a:solidFill>
+                <a:latin typeface="Source Sans Pro Black" charset="0"/>
+                <a:ea typeface="Source Sans Pro Black" charset="0"/>
+                <a:cs typeface="Source Sans Pro Black" charset="0"/>
+              </a:rPr>
+              <a:t>Looking Forward</a:t>
+            </a:r>
+            <a:endParaRPr lang="en-GB" b="1" dirty="0">
+              <a:solidFill>
+                <a:srgbClr val="144C71"/>
+              </a:solidFill>
+              <a:latin typeface="Source Sans Pro Black" charset="0"/>
+              <a:ea typeface="Source Sans Pro Black" charset="0"/>
+              <a:cs typeface="Source Sans Pro Black" charset="0"/>
+            </a:endParaRPr>
+          </a:p>
+        </p:txBody>
+      </p:sp>
+      <p:sp>
+        <p:nvSpPr>
+          <p:cNvPr id="10" name="Content Placeholder 2">
+            <a:extLst>
+              <a:ext uri="{FF2B5EF4-FFF2-40B4-BE49-F238E27FC236}">
+                <a16:creationId xmlns:a16="http://schemas.microsoft.com/office/drawing/2014/main" xmlns="" id="{0437BF45-5AB5-4C2A-8C06-6A2804E9F027}"/>
+              </a:ext>
+            </a:extLst>
+          </p:cNvPr>
+          <p:cNvSpPr txBox="1">
+            <a:spLocks/>
+          </p:cNvSpPr>
+          <p:nvPr/>
+        </p:nvSpPr>
+        <p:spPr>
+          <a:xfrm>
+            <a:off x="838200" y="1825625"/>
             <a:ext cx="10515600" cy="4351338"/>
           </a:xfrm>
+          <a:prstGeom prst="rect">
+            <a:avLst/>
+          </a:prstGeom>
         </p:spPr>
         <p:txBody>
-          <a:bodyPr/>
-          <a:lstStyle/>
+          <a:bodyPr vert="horz" lIns="91440" tIns="45720" rIns="91440" bIns="45720" rtlCol="0">
+            <a:normAutofit/>
+          </a:bodyPr>
+          <a:lstStyle>
+            <a:lvl1pPr marL="228600" indent="-228600" algn="l" defTabSz="914400" rtl="0" eaLnBrk="1" latinLnBrk="0" hangingPunct="1">
+              <a:lnSpc>
+                <a:spcPct val="90000"/>
+              </a:lnSpc>
+              <a:spcBef>
+                <a:spcPts val="1000"/>
+              </a:spcBef>
+              <a:buFont typeface="Arial" panose="020B0604020202020204" pitchFamily="34" charset="0"/>
+              <a:buChar char="•"/>
+              <a:defRPr sz="2800" kern="1200">
+                <a:solidFill>
+                  <a:schemeClr val="tx1"/>
+                </a:solidFill>
+                <a:latin typeface="+mn-lt"/>
+                <a:ea typeface="+mn-ea"/>
+                <a:cs typeface="+mn-cs"/>
+              </a:defRPr>
+            </a:lvl1pPr>
+            <a:lvl2pPr marL="685800" indent="-228600" algn="l" defTabSz="914400" rtl="0" eaLnBrk="1" latinLnBrk="0" hangingPunct="1">
+              <a:lnSpc>
+                <a:spcPct val="90000"/>
+              </a:lnSpc>
+              <a:spcBef>
+                <a:spcPts val="500"/>
+              </a:spcBef>
+              <a:buFont typeface="Arial" panose="020B0604020202020204" pitchFamily="34" charset="0"/>
+              <a:buChar char="•"/>
+              <a:defRPr sz="2400" kern="1200">
+                <a:solidFill>
+                  <a:schemeClr val="tx1"/>
+                </a:solidFill>
+                <a:latin typeface="+mn-lt"/>
+                <a:ea typeface="+mn-ea"/>
+                <a:cs typeface="+mn-cs"/>
+              </a:defRPr>
+            </a:lvl2pPr>
+            <a:lvl3pPr marL="1143000" indent="-228600" algn="l" defTabSz="914400" rtl="0" eaLnBrk="1" latinLnBrk="0" hangingPunct="1">
+              <a:lnSpc>
+                <a:spcPct val="90000"/>
+              </a:lnSpc>
+              <a:spcBef>
+                <a:spcPts val="500"/>
+              </a:spcBef>
+              <a:buFont typeface="Arial" panose="020B0604020202020204" pitchFamily="34" charset="0"/>
+              <a:buChar char="•"/>
+              <a:defRPr sz="2000" kern="1200">
+                <a:solidFill>
+                  <a:schemeClr val="tx1"/>
+                </a:solidFill>
+                <a:latin typeface="+mn-lt"/>
+                <a:ea typeface="+mn-ea"/>
+                <a:cs typeface="+mn-cs"/>
+              </a:defRPr>
+            </a:lvl3pPr>
+            <a:lvl4pPr marL="1600200" indent="-228600" algn="l" defTabSz="914400" rtl="0" eaLnBrk="1" latinLnBrk="0" hangingPunct="1">
+              <a:lnSpc>
+                <a:spcPct val="90000"/>
+              </a:lnSpc>
+              <a:spcBef>
+                <a:spcPts val="500"/>
+              </a:spcBef>
+              <a:buFont typeface="Arial" panose="020B0604020202020204" pitchFamily="34" charset="0"/>
+              <a:buChar char="•"/>
+              <a:defRPr sz="1800" kern="1200">
+                <a:solidFill>
+                  <a:schemeClr val="tx1"/>
+                </a:solidFill>
+                <a:latin typeface="+mn-lt"/>
+                <a:ea typeface="+mn-ea"/>
+                <a:cs typeface="+mn-cs"/>
+              </a:defRPr>
+            </a:lvl4pPr>
+            <a:lvl5pPr marL="2057400" indent="-228600" algn="l" defTabSz="914400" rtl="0" eaLnBrk="1" latinLnBrk="0" hangingPunct="1">
+              <a:lnSpc>
+                <a:spcPct val="90000"/>
+              </a:lnSpc>
+              <a:spcBef>
+                <a:spcPts val="500"/>
+              </a:spcBef>
+              <a:buFont typeface="Arial" panose="020B0604020202020204" pitchFamily="34" charset="0"/>
+              <a:buChar char="•"/>
+              <a:defRPr sz="1800" kern="1200">
+                <a:solidFill>
+                  <a:schemeClr val="tx1"/>
+                </a:solidFill>
+                <a:latin typeface="+mn-lt"/>
+                <a:ea typeface="+mn-ea"/>
+                <a:cs typeface="+mn-cs"/>
+              </a:defRPr>
+            </a:lvl5pPr>
+            <a:lvl6pPr marL="2514600" indent="-228600" algn="l" defTabSz="914400" rtl="0" eaLnBrk="1" latinLnBrk="0" hangingPunct="1">
+              <a:lnSpc>
+                <a:spcPct val="90000"/>
+              </a:lnSpc>
+              <a:spcBef>
+                <a:spcPts val="500"/>
+              </a:spcBef>
+              <a:buFont typeface="Arial" panose="020B0604020202020204" pitchFamily="34" charset="0"/>
+              <a:buChar char="•"/>
+              <a:defRPr sz="1800" kern="1200">
+                <a:solidFill>
+                  <a:schemeClr val="tx1"/>
+                </a:solidFill>
+                <a:latin typeface="+mn-lt"/>
+                <a:ea typeface="+mn-ea"/>
+                <a:cs typeface="+mn-cs"/>
+              </a:defRPr>
+            </a:lvl6pPr>
+            <a:lvl7pPr marL="2971800" indent="-228600" algn="l" defTabSz="914400" rtl="0" eaLnBrk="1" latinLnBrk="0" hangingPunct="1">
+              <a:lnSpc>
+                <a:spcPct val="90000"/>
+              </a:lnSpc>
+              <a:spcBef>
+                <a:spcPts val="500"/>
+              </a:spcBef>
+              <a:buFont typeface="Arial" panose="020B0604020202020204" pitchFamily="34" charset="0"/>
+              <a:buChar char="•"/>
+              <a:defRPr sz="1800" kern="1200">
+                <a:solidFill>
+                  <a:schemeClr val="tx1"/>
+                </a:solidFill>
+                <a:latin typeface="+mn-lt"/>
+                <a:ea typeface="+mn-ea"/>
+                <a:cs typeface="+mn-cs"/>
+              </a:defRPr>
+            </a:lvl7pPr>
+            <a:lvl8pPr marL="3429000" indent="-228600" algn="l" defTabSz="914400" rtl="0" eaLnBrk="1" latinLnBrk="0" hangingPunct="1">
+              <a:lnSpc>
+                <a:spcPct val="90000"/>
+              </a:lnSpc>
+              <a:spcBef>
+                <a:spcPts val="500"/>
+              </a:spcBef>
+              <a:buFont typeface="Arial" panose="020B0604020202020204" pitchFamily="34" charset="0"/>
+              <a:buChar char="•"/>
+              <a:defRPr sz="1800" kern="1200">
+                <a:solidFill>
+                  <a:schemeClr val="tx1"/>
+                </a:solidFill>
+                <a:latin typeface="+mn-lt"/>
+                <a:ea typeface="+mn-ea"/>
+                <a:cs typeface="+mn-cs"/>
+              </a:defRPr>
+            </a:lvl8pPr>
+            <a:lvl9pPr marL="3886200" indent="-228600" algn="l" defTabSz="914400" rtl="0" eaLnBrk="1" latinLnBrk="0" hangingPunct="1">
+              <a:lnSpc>
+                <a:spcPct val="90000"/>
+              </a:lnSpc>
+              <a:spcBef>
+                <a:spcPts val="500"/>
+              </a:spcBef>
+              <a:buFont typeface="Arial" panose="020B0604020202020204" pitchFamily="34" charset="0"/>
+              <a:buChar char="•"/>
+              <a:defRPr sz="1800" kern="1200">
+                <a:solidFill>
+                  <a:schemeClr val="tx1"/>
+                </a:solidFill>
+                <a:latin typeface="+mn-lt"/>
+                <a:ea typeface="+mn-ea"/>
+                <a:cs typeface="+mn-cs"/>
+              </a:defRPr>
+            </a:lvl9pPr>
+          </a:lstStyle>
+          <a:p>
+            <a:r>
+              <a:rPr lang="en-GB" dirty="0" smtClean="0">
+                <a:solidFill>
+                  <a:srgbClr val="144C71"/>
+                </a:solidFill>
+                <a:latin typeface="Source Sans Pro Light" charset="0"/>
+                <a:ea typeface="Source Sans Pro Light" charset="0"/>
+                <a:cs typeface="Source Sans Pro Light" charset="0"/>
+              </a:rPr>
+              <a:t>A </a:t>
+            </a:r>
+            <a:r>
+              <a:rPr lang="en-GB" dirty="0">
+                <a:solidFill>
+                  <a:srgbClr val="144C71"/>
+                </a:solidFill>
+                <a:latin typeface="Source Sans Pro Light" charset="0"/>
+                <a:ea typeface="Source Sans Pro Light" charset="0"/>
+                <a:cs typeface="Source Sans Pro Light" charset="0"/>
+              </a:rPr>
+              <a:t>permissions management and an insurance provider register</a:t>
+            </a:r>
+          </a:p>
+          <a:p>
+            <a:r>
+              <a:rPr lang="en-GB" dirty="0">
+                <a:solidFill>
+                  <a:srgbClr val="144C71"/>
+                </a:solidFill>
+                <a:latin typeface="Source Sans Pro Light" charset="0"/>
+                <a:ea typeface="Source Sans Pro Light" charset="0"/>
+                <a:cs typeface="Source Sans Pro Light" charset="0"/>
+              </a:rPr>
+              <a:t>A method to spend and destroy tokens on </a:t>
+            </a:r>
+            <a:r>
+              <a:rPr lang="en-GB" dirty="0" err="1">
+                <a:solidFill>
+                  <a:srgbClr val="144C71"/>
+                </a:solidFill>
+                <a:latin typeface="Source Sans Pro Light" charset="0"/>
+                <a:ea typeface="Source Sans Pro Light" charset="0"/>
+                <a:cs typeface="Source Sans Pro Light" charset="0"/>
+              </a:rPr>
+              <a:t>redeemsion</a:t>
+            </a:r>
+            <a:endParaRPr lang="en-GB" dirty="0">
+              <a:solidFill>
+                <a:srgbClr val="144C71"/>
+              </a:solidFill>
+              <a:latin typeface="Source Sans Pro Light" charset="0"/>
+              <a:ea typeface="Source Sans Pro Light" charset="0"/>
+              <a:cs typeface="Source Sans Pro Light" charset="0"/>
+            </a:endParaRPr>
+          </a:p>
           <a:p>
             <a:pPr marL="0" indent="0">
               <a:buNone/>
             </a:pPr>
-            <a:r>
-              <a:rPr lang="en-GB" dirty="0"/>
-              <a:t>Stuff we had planned but just ran out of time…</a:t>
-            </a:r>
-          </a:p>
-          <a:p>
-            <a:r>
-              <a:rPr lang="en-GB" dirty="0"/>
-              <a:t>A permissions management and an insurance provider register</a:t>
-            </a:r>
-          </a:p>
-          <a:p>
-            <a:r>
-              <a:rPr lang="en-GB" dirty="0"/>
-              <a:t>A method to spend and destroy tokens on </a:t>
-            </a:r>
-            <a:r>
-              <a:rPr lang="en-GB" dirty="0" err="1"/>
-              <a:t>redeemsion</a:t>
-            </a:r>
-            <a:endParaRPr lang="en-GB" dirty="0"/>
+            <a:endParaRPr lang="en-GB" dirty="0">
+              <a:solidFill>
+                <a:srgbClr val="144C71"/>
+              </a:solidFill>
+              <a:latin typeface="Source Sans Pro Light" charset="0"/>
+              <a:ea typeface="Source Sans Pro Light" charset="0"/>
+              <a:cs typeface="Source Sans Pro Light" charset="0"/>
+            </a:endParaRPr>
+          </a:p>
+          <a:p>
+            <a:pPr marL="457200" lvl="1" indent="0">
+              <a:buNone/>
+            </a:pPr>
+            <a:r>
+              <a:rPr lang="en-GB" dirty="0">
+                <a:solidFill>
+                  <a:srgbClr val="144C71"/>
+                </a:solidFill>
+                <a:latin typeface="Source Sans Pro Light" charset="0"/>
+                <a:ea typeface="Source Sans Pro Light" charset="0"/>
+                <a:cs typeface="Source Sans Pro Light" charset="0"/>
+              </a:rPr>
+              <a:t>	</a:t>
+            </a:r>
+          </a:p>
+          <a:p>
+            <a:pPr lvl="1"/>
+            <a:endParaRPr lang="en-GB" dirty="0">
+              <a:solidFill>
+                <a:srgbClr val="144C71"/>
+              </a:solidFill>
+              <a:latin typeface="Source Sans Pro Light" charset="0"/>
+              <a:ea typeface="Source Sans Pro Light" charset="0"/>
+              <a:cs typeface="Source Sans Pro Light" charset="0"/>
+            </a:endParaRPr>
           </a:p>
           <a:p>
             <a:pPr marL="0" indent="0">
               <a:buNone/>
             </a:pPr>
-            <a:endParaRPr lang="en-GB" dirty="0"/>
-          </a:p>
-          <a:p>
-            <a:pPr marL="457200" lvl="1" indent="0">
-              <a:buNone/>
-            </a:pPr>
-            <a:r>
-              <a:rPr lang="en-GB" dirty="0"/>
-              <a:t>	</a:t>
-            </a:r>
-          </a:p>
-          <a:p>
-            <a:pPr lvl="1"/>
-            <a:endParaRPr lang="en-GB" dirty="0"/>
-          </a:p>
-          <a:p>
-            <a:pPr marL="0" indent="0">
-              <a:buNone/>
-            </a:pPr>
-            <a:endParaRPr lang="en-GB" dirty="0"/>
-          </a:p>
-          <a:p>
-            <a:endParaRPr lang="en-GB" dirty="0"/>
-          </a:p>
-          <a:p>
-            <a:endParaRPr lang="en-GB" dirty="0"/>
-          </a:p>
-          <a:p>
-            <a:endParaRPr lang="en-US" dirty="0"/>
+            <a:endParaRPr lang="en-GB" dirty="0">
+              <a:solidFill>
+                <a:srgbClr val="144C71"/>
+              </a:solidFill>
+              <a:latin typeface="Source Sans Pro Light" charset="0"/>
+              <a:ea typeface="Source Sans Pro Light" charset="0"/>
+              <a:cs typeface="Source Sans Pro Light" charset="0"/>
+            </a:endParaRPr>
+          </a:p>
+          <a:p>
+            <a:endParaRPr lang="en-GB" dirty="0">
+              <a:solidFill>
+                <a:srgbClr val="144C71"/>
+              </a:solidFill>
+              <a:latin typeface="Source Sans Pro Light" charset="0"/>
+              <a:ea typeface="Source Sans Pro Light" charset="0"/>
+              <a:cs typeface="Source Sans Pro Light" charset="0"/>
+            </a:endParaRPr>
+          </a:p>
+          <a:p>
+            <a:endParaRPr lang="en-GB" dirty="0">
+              <a:solidFill>
+                <a:srgbClr val="144C71"/>
+              </a:solidFill>
+              <a:latin typeface="Source Sans Pro Light" charset="0"/>
+              <a:ea typeface="Source Sans Pro Light" charset="0"/>
+              <a:cs typeface="Source Sans Pro Light" charset="0"/>
+            </a:endParaRPr>
+          </a:p>
+          <a:p>
+            <a:endParaRPr lang="en-US" dirty="0">
+              <a:solidFill>
+                <a:srgbClr val="144C71"/>
+              </a:solidFill>
+              <a:latin typeface="Source Sans Pro Light" charset="0"/>
+              <a:ea typeface="Source Sans Pro Light" charset="0"/>
+              <a:cs typeface="Source Sans Pro Light" charset="0"/>
+            </a:endParaRPr>
           </a:p>
         </p:txBody>
       </p:sp>

--- a/Claimless - Pitch.pptx
+++ b/Claimless - Pitch.pptx
@@ -2983,7 +2983,7 @@
           <p:cNvPr id="5" name="Picture 4">
             <a:extLst>
               <a:ext uri="{FF2B5EF4-FFF2-40B4-BE49-F238E27FC236}">
-                <a16:creationId xmlns:a16="http://schemas.microsoft.com/office/drawing/2014/main" xmlns="" id="{C21F03D9-D255-4BAF-BBEF-9696EE031703}"/>
+                <a16:creationId xmlns:a16="http://schemas.microsoft.com/office/drawing/2014/main" id="{C21F03D9-D255-4BAF-BBEF-9696EE031703}"/>
               </a:ext>
             </a:extLst>
           </p:cNvPr>
@@ -3049,7 +3049,7 @@
           <p:cNvPr id="2" name="Title 1">
             <a:extLst>
               <a:ext uri="{FF2B5EF4-FFF2-40B4-BE49-F238E27FC236}">
-                <a16:creationId xmlns:a16="http://schemas.microsoft.com/office/drawing/2014/main" xmlns="" id="{5D243D52-5A28-4854-A962-EE1EC8A687A0}"/>
+                <a16:creationId xmlns:a16="http://schemas.microsoft.com/office/drawing/2014/main" id="{5D243D52-5A28-4854-A962-EE1EC8A687A0}"/>
               </a:ext>
             </a:extLst>
           </p:cNvPr>
@@ -3084,7 +3084,7 @@
           <p:cNvPr id="3" name="Content Placeholder 2">
             <a:extLst>
               <a:ext uri="{FF2B5EF4-FFF2-40B4-BE49-F238E27FC236}">
-                <a16:creationId xmlns:a16="http://schemas.microsoft.com/office/drawing/2014/main" xmlns="" id="{0437BF45-5AB5-4C2A-8C06-6A2804E9F027}"/>
+                <a16:creationId xmlns:a16="http://schemas.microsoft.com/office/drawing/2014/main" id="{0437BF45-5AB5-4C2A-8C06-6A2804E9F027}"/>
               </a:ext>
             </a:extLst>
           </p:cNvPr>
@@ -3147,7 +3147,7 @@
           <p:cNvPr id="5" name="Picture 4">
             <a:extLst>
               <a:ext uri="{FF2B5EF4-FFF2-40B4-BE49-F238E27FC236}">
-                <a16:creationId xmlns:a16="http://schemas.microsoft.com/office/drawing/2014/main" xmlns="" id="{A0430F65-FED6-4E0E-BCAA-552F508EC5A8}"/>
+                <a16:creationId xmlns:a16="http://schemas.microsoft.com/office/drawing/2014/main" id="{A0430F65-FED6-4E0E-BCAA-552F508EC5A8}"/>
               </a:ext>
             </a:extLst>
           </p:cNvPr>
@@ -3314,7 +3314,7 @@
           <p:cNvPr id="5" name="Picture 4">
             <a:extLst>
               <a:ext uri="{FF2B5EF4-FFF2-40B4-BE49-F238E27FC236}">
-                <a16:creationId xmlns:a16="http://schemas.microsoft.com/office/drawing/2014/main" xmlns="" id="{A0430F65-FED6-4E0E-BCAA-552F508EC5A8}"/>
+                <a16:creationId xmlns:a16="http://schemas.microsoft.com/office/drawing/2014/main" id="{A0430F65-FED6-4E0E-BCAA-552F508EC5A8}"/>
               </a:ext>
             </a:extLst>
           </p:cNvPr>
@@ -3410,7 +3410,7 @@
           <p:cNvPr id="7" name="Picture 6">
             <a:extLst>
               <a:ext uri="{FF2B5EF4-FFF2-40B4-BE49-F238E27FC236}">
-                <a16:creationId xmlns:a16="http://schemas.microsoft.com/office/drawing/2014/main" xmlns="" id="{C21F03D9-D255-4BAF-BBEF-9696EE031703}"/>
+                <a16:creationId xmlns:a16="http://schemas.microsoft.com/office/drawing/2014/main" id="{C21F03D9-D255-4BAF-BBEF-9696EE031703}"/>
               </a:ext>
             </a:extLst>
           </p:cNvPr>
@@ -3446,7 +3446,7 @@
           <p:cNvPr id="6" name="Title 1">
             <a:extLst>
               <a:ext uri="{FF2B5EF4-FFF2-40B4-BE49-F238E27FC236}">
-                <a16:creationId xmlns:a16="http://schemas.microsoft.com/office/drawing/2014/main" xmlns="" id="{5D243D52-5A28-4854-A962-EE1EC8A687A0}"/>
+                <a16:creationId xmlns:a16="http://schemas.microsoft.com/office/drawing/2014/main" id="{5D243D52-5A28-4854-A962-EE1EC8A687A0}"/>
               </a:ext>
             </a:extLst>
           </p:cNvPr>
@@ -3471,7 +3471,7 @@
           <a:p>
             <a:pPr algn="ctr"/>
             <a:r>
-              <a:rPr lang="en-GB" sz="2400" dirty="0" smtClean="0">
+              <a:rPr lang="en-GB" sz="2400" dirty="0">
                 <a:solidFill>
                   <a:srgbClr val="144C71"/>
                 </a:solidFill>
@@ -3481,14 +3481,6 @@
               </a:rPr>
               <a:t>Demonstration</a:t>
             </a:r>
-            <a:endParaRPr lang="en-GB" sz="2400" dirty="0">
-              <a:solidFill>
-                <a:srgbClr val="144C71"/>
-              </a:solidFill>
-              <a:latin typeface="Source Sans Pro Light" charset="0"/>
-              <a:ea typeface="Source Sans Pro Light" charset="0"/>
-              <a:cs typeface="Source Sans Pro Light" charset="0"/>
-            </a:endParaRPr>
           </a:p>
         </p:txBody>
       </p:sp>
@@ -3576,7 +3568,9 @@
           </a:xfrm>
         </p:spPr>
         <p:txBody>
-          <a:bodyPr/>
+          <a:bodyPr>
+            <a:normAutofit lnSpcReduction="10000"/>
+          </a:bodyPr>
           <a:lstStyle/>
           <a:p>
             <a:r>
@@ -3762,7 +3756,7 @@
           <p:cNvPr id="6" name="Picture 5">
             <a:extLst>
               <a:ext uri="{FF2B5EF4-FFF2-40B4-BE49-F238E27FC236}">
-                <a16:creationId xmlns:a16="http://schemas.microsoft.com/office/drawing/2014/main" xmlns="" id="{A0430F65-FED6-4E0E-BCAA-552F508EC5A8}"/>
+                <a16:creationId xmlns:a16="http://schemas.microsoft.com/office/drawing/2014/main" id="{A0430F65-FED6-4E0E-BCAA-552F508EC5A8}"/>
               </a:ext>
             </a:extLst>
           </p:cNvPr>
@@ -3858,7 +3852,7 @@
           <p:cNvPr id="6" name="Picture 5">
             <a:extLst>
               <a:ext uri="{FF2B5EF4-FFF2-40B4-BE49-F238E27FC236}">
-                <a16:creationId xmlns:a16="http://schemas.microsoft.com/office/drawing/2014/main" xmlns="" id="{A0430F65-FED6-4E0E-BCAA-552F508EC5A8}"/>
+                <a16:creationId xmlns:a16="http://schemas.microsoft.com/office/drawing/2014/main" id="{A0430F65-FED6-4E0E-BCAA-552F508EC5A8}"/>
               </a:ext>
             </a:extLst>
           </p:cNvPr>
@@ -3894,7 +3888,7 @@
           <p:cNvPr id="8" name="Title 1">
             <a:extLst>
               <a:ext uri="{FF2B5EF4-FFF2-40B4-BE49-F238E27FC236}">
-                <a16:creationId xmlns:a16="http://schemas.microsoft.com/office/drawing/2014/main" xmlns="" id="{5D243D52-5A28-4854-A962-EE1EC8A687A0}"/>
+                <a16:creationId xmlns:a16="http://schemas.microsoft.com/office/drawing/2014/main" id="{5D243D52-5A28-4854-A962-EE1EC8A687A0}"/>
               </a:ext>
             </a:extLst>
           </p:cNvPr>
@@ -3952,7 +3946,7 @@
           <p:cNvPr id="9" name="Title 1">
             <a:extLst>
               <a:ext uri="{FF2B5EF4-FFF2-40B4-BE49-F238E27FC236}">
-                <a16:creationId xmlns:a16="http://schemas.microsoft.com/office/drawing/2014/main" xmlns="" id="{5D243D52-5A28-4854-A962-EE1EC8A687A0}"/>
+                <a16:creationId xmlns:a16="http://schemas.microsoft.com/office/drawing/2014/main" id="{5D243D52-5A28-4854-A962-EE1EC8A687A0}"/>
               </a:ext>
             </a:extLst>
           </p:cNvPr>
@@ -3984,14 +3978,6 @@
               </a:rPr>
               <a:t>Looking Forward</a:t>
             </a:r>
-            <a:endParaRPr lang="en-GB" b="1" dirty="0">
-              <a:solidFill>
-                <a:srgbClr val="144C71"/>
-              </a:solidFill>
-              <a:latin typeface="Source Sans Pro Black" charset="0"/>
-              <a:ea typeface="Source Sans Pro Black" charset="0"/>
-              <a:cs typeface="Source Sans Pro Black" charset="0"/>
-            </a:endParaRPr>
           </a:p>
         </p:txBody>
       </p:sp>
@@ -4000,7 +3986,7 @@
           <p:cNvPr id="10" name="Content Placeholder 2">
             <a:extLst>
               <a:ext uri="{FF2B5EF4-FFF2-40B4-BE49-F238E27FC236}">
-                <a16:creationId xmlns:a16="http://schemas.microsoft.com/office/drawing/2014/main" xmlns="" id="{0437BF45-5AB5-4C2A-8C06-6A2804E9F027}"/>
+                <a16:creationId xmlns:a16="http://schemas.microsoft.com/office/drawing/2014/main" id="{0437BF45-5AB5-4C2A-8C06-6A2804E9F027}"/>
               </a:ext>
             </a:extLst>
           </p:cNvPr>
@@ -4188,17 +4174,6 @@
           </a:lstStyle>
           <a:p>
             <a:r>
-              <a:rPr lang="en-GB" dirty="0" smtClean="0">
-                <a:solidFill>
-                  <a:srgbClr val="144C71"/>
-                </a:solidFill>
-                <a:latin typeface="Source Sans Pro Light" charset="0"/>
-                <a:ea typeface="Source Sans Pro Light" charset="0"/>
-                <a:cs typeface="Source Sans Pro Light" charset="0"/>
-              </a:rPr>
-              <a:t>A </a:t>
-            </a:r>
-            <a:r>
               <a:rPr lang="en-GB" dirty="0">
                 <a:solidFill>
                   <a:srgbClr val="144C71"/>
@@ -4207,7 +4182,7 @@
                 <a:ea typeface="Source Sans Pro Light" charset="0"/>
                 <a:cs typeface="Source Sans Pro Light" charset="0"/>
               </a:rPr>
-              <a:t>permissions management and an insurance provider register</a:t>
+              <a:t>A permissions management and an insurance provider register</a:t>
             </a:r>
           </a:p>
           <a:p>
@@ -4220,27 +4195,8 @@
                 <a:ea typeface="Source Sans Pro Light" charset="0"/>
                 <a:cs typeface="Source Sans Pro Light" charset="0"/>
               </a:rPr>
-              <a:t>A method to spend and destroy tokens on </a:t>
-            </a:r>
-            <a:r>
-              <a:rPr lang="en-GB" dirty="0" err="1">
-                <a:solidFill>
-                  <a:srgbClr val="144C71"/>
-                </a:solidFill>
-                <a:latin typeface="Source Sans Pro Light" charset="0"/>
-                <a:ea typeface="Source Sans Pro Light" charset="0"/>
-                <a:cs typeface="Source Sans Pro Light" charset="0"/>
-              </a:rPr>
-              <a:t>redeemsion</a:t>
-            </a:r>
-            <a:endParaRPr lang="en-GB" dirty="0">
-              <a:solidFill>
-                <a:srgbClr val="144C71"/>
-              </a:solidFill>
-              <a:latin typeface="Source Sans Pro Light" charset="0"/>
-              <a:ea typeface="Source Sans Pro Light" charset="0"/>
-              <a:cs typeface="Source Sans Pro Light" charset="0"/>
-            </a:endParaRPr>
+              <a:t>A method to spend and destroy tokens on redemption</a:t>
+            </a:r>
           </a:p>
           <a:p>
             <a:pPr marL="0" indent="0">

--- a/Claimless - Pitch.pptx
+++ b/Claimless - Pitch.pptx
@@ -2983,7 +2983,7 @@
           <p:cNvPr id="5" name="Picture 4">
             <a:extLst>
               <a:ext uri="{FF2B5EF4-FFF2-40B4-BE49-F238E27FC236}">
-                <a16:creationId xmlns:a16="http://schemas.microsoft.com/office/drawing/2014/main" id="{C21F03D9-D255-4BAF-BBEF-9696EE031703}"/>
+                <a16:creationId xmlns:a16="http://schemas.microsoft.com/office/drawing/2014/main" xmlns="" id="{C21F03D9-D255-4BAF-BBEF-9696EE031703}"/>
               </a:ext>
             </a:extLst>
           </p:cNvPr>
@@ -3014,6 +3014,75 @@
           </a:prstGeom>
         </p:spPr>
       </p:pic>
+      <p:sp>
+        <p:nvSpPr>
+          <p:cNvPr id="4" name="Title 1">
+            <a:extLst>
+              <a:ext uri="{FF2B5EF4-FFF2-40B4-BE49-F238E27FC236}">
+                <a16:creationId xmlns:a16="http://schemas.microsoft.com/office/drawing/2014/main" xmlns="" id="{5D243D52-5A28-4854-A962-EE1EC8A687A0}"/>
+              </a:ext>
+            </a:extLst>
+          </p:cNvPr>
+          <p:cNvSpPr txBox="1">
+            <a:spLocks/>
+          </p:cNvSpPr>
+          <p:nvPr/>
+        </p:nvSpPr>
+        <p:spPr>
+          <a:xfrm>
+            <a:off x="838200" y="5007415"/>
+            <a:ext cx="10515600" cy="430133"/>
+          </a:xfrm>
+          <a:prstGeom prst="rect">
+            <a:avLst/>
+          </a:prstGeom>
+        </p:spPr>
+        <p:txBody>
+          <a:bodyPr vert="horz" lIns="91440" tIns="45720" rIns="91440" bIns="45720" rtlCol="0" anchor="b">
+            <a:normAutofit/>
+          </a:bodyPr>
+          <a:lstStyle>
+            <a:lvl1pPr algn="ctr" defTabSz="914400" rtl="0" eaLnBrk="1" latinLnBrk="0" hangingPunct="1">
+              <a:lnSpc>
+                <a:spcPct val="90000"/>
+              </a:lnSpc>
+              <a:spcBef>
+                <a:spcPct val="0"/>
+              </a:spcBef>
+              <a:buNone/>
+              <a:defRPr sz="6000" kern="1200">
+                <a:solidFill>
+                  <a:schemeClr val="tx1"/>
+                </a:solidFill>
+                <a:latin typeface="+mj-lt"/>
+                <a:ea typeface="+mj-ea"/>
+                <a:cs typeface="+mj-cs"/>
+              </a:defRPr>
+            </a:lvl1pPr>
+          </a:lstStyle>
+          <a:p>
+            <a:r>
+              <a:rPr lang="en-GB" sz="2400" dirty="0" smtClean="0">
+                <a:solidFill>
+                  <a:srgbClr val="144C71"/>
+                </a:solidFill>
+                <a:latin typeface="Source Sans Pro Light" charset="0"/>
+                <a:ea typeface="Source Sans Pro Light" charset="0"/>
+                <a:cs typeface="Source Sans Pro Light" charset="0"/>
+              </a:rPr>
+              <a:t>Universal No-Claim Bonus</a:t>
+            </a:r>
+            <a:endParaRPr lang="en-GB" sz="2400" dirty="0">
+              <a:solidFill>
+                <a:srgbClr val="144C71"/>
+              </a:solidFill>
+              <a:latin typeface="Source Sans Pro Light" charset="0"/>
+              <a:ea typeface="Source Sans Pro Light" charset="0"/>
+              <a:cs typeface="Source Sans Pro Light" charset="0"/>
+            </a:endParaRPr>
+          </a:p>
+        </p:txBody>
+      </p:sp>
     </p:spTree>
     <p:extLst>
       <p:ext uri="{BB962C8B-B14F-4D97-AF65-F5344CB8AC3E}">
@@ -3049,7 +3118,7 @@
           <p:cNvPr id="2" name="Title 1">
             <a:extLst>
               <a:ext uri="{FF2B5EF4-FFF2-40B4-BE49-F238E27FC236}">
-                <a16:creationId xmlns:a16="http://schemas.microsoft.com/office/drawing/2014/main" id="{5D243D52-5A28-4854-A962-EE1EC8A687A0}"/>
+                <a16:creationId xmlns:a16="http://schemas.microsoft.com/office/drawing/2014/main" xmlns="" id="{5D243D52-5A28-4854-A962-EE1EC8A687A0}"/>
               </a:ext>
             </a:extLst>
           </p:cNvPr>
@@ -3084,7 +3153,7 @@
           <p:cNvPr id="3" name="Content Placeholder 2">
             <a:extLst>
               <a:ext uri="{FF2B5EF4-FFF2-40B4-BE49-F238E27FC236}">
-                <a16:creationId xmlns:a16="http://schemas.microsoft.com/office/drawing/2014/main" id="{0437BF45-5AB5-4C2A-8C06-6A2804E9F027}"/>
+                <a16:creationId xmlns:a16="http://schemas.microsoft.com/office/drawing/2014/main" xmlns="" id="{0437BF45-5AB5-4C2A-8C06-6A2804E9F027}"/>
               </a:ext>
             </a:extLst>
           </p:cNvPr>
@@ -3147,7 +3216,7 @@
           <p:cNvPr id="5" name="Picture 4">
             <a:extLst>
               <a:ext uri="{FF2B5EF4-FFF2-40B4-BE49-F238E27FC236}">
-                <a16:creationId xmlns:a16="http://schemas.microsoft.com/office/drawing/2014/main" id="{A0430F65-FED6-4E0E-BCAA-552F508EC5A8}"/>
+                <a16:creationId xmlns:a16="http://schemas.microsoft.com/office/drawing/2014/main" xmlns="" id="{A0430F65-FED6-4E0E-BCAA-552F508EC5A8}"/>
               </a:ext>
             </a:extLst>
           </p:cNvPr>
@@ -3314,7 +3383,7 @@
           <p:cNvPr id="5" name="Picture 4">
             <a:extLst>
               <a:ext uri="{FF2B5EF4-FFF2-40B4-BE49-F238E27FC236}">
-                <a16:creationId xmlns:a16="http://schemas.microsoft.com/office/drawing/2014/main" id="{A0430F65-FED6-4E0E-BCAA-552F508EC5A8}"/>
+                <a16:creationId xmlns:a16="http://schemas.microsoft.com/office/drawing/2014/main" xmlns="" id="{A0430F65-FED6-4E0E-BCAA-552F508EC5A8}"/>
               </a:ext>
             </a:extLst>
           </p:cNvPr>
@@ -3410,7 +3479,7 @@
           <p:cNvPr id="7" name="Picture 6">
             <a:extLst>
               <a:ext uri="{FF2B5EF4-FFF2-40B4-BE49-F238E27FC236}">
-                <a16:creationId xmlns:a16="http://schemas.microsoft.com/office/drawing/2014/main" id="{C21F03D9-D255-4BAF-BBEF-9696EE031703}"/>
+                <a16:creationId xmlns:a16="http://schemas.microsoft.com/office/drawing/2014/main" xmlns="" id="{C21F03D9-D255-4BAF-BBEF-9696EE031703}"/>
               </a:ext>
             </a:extLst>
           </p:cNvPr>
@@ -3446,7 +3515,7 @@
           <p:cNvPr id="6" name="Title 1">
             <a:extLst>
               <a:ext uri="{FF2B5EF4-FFF2-40B4-BE49-F238E27FC236}">
-                <a16:creationId xmlns:a16="http://schemas.microsoft.com/office/drawing/2014/main" id="{5D243D52-5A28-4854-A962-EE1EC8A687A0}"/>
+                <a16:creationId xmlns:a16="http://schemas.microsoft.com/office/drawing/2014/main" xmlns="" id="{5D243D52-5A28-4854-A962-EE1EC8A687A0}"/>
               </a:ext>
             </a:extLst>
           </p:cNvPr>
@@ -3569,7 +3638,7 @@
         </p:spPr>
         <p:txBody>
           <a:bodyPr>
-            <a:normAutofit lnSpcReduction="10000"/>
+            <a:normAutofit/>
           </a:bodyPr>
           <a:lstStyle/>
           <a:p>
@@ -3756,7 +3825,7 @@
           <p:cNvPr id="6" name="Picture 5">
             <a:extLst>
               <a:ext uri="{FF2B5EF4-FFF2-40B4-BE49-F238E27FC236}">
-                <a16:creationId xmlns:a16="http://schemas.microsoft.com/office/drawing/2014/main" id="{A0430F65-FED6-4E0E-BCAA-552F508EC5A8}"/>
+                <a16:creationId xmlns:a16="http://schemas.microsoft.com/office/drawing/2014/main" xmlns="" id="{A0430F65-FED6-4E0E-BCAA-552F508EC5A8}"/>
               </a:ext>
             </a:extLst>
           </p:cNvPr>
@@ -3852,7 +3921,7 @@
           <p:cNvPr id="6" name="Picture 5">
             <a:extLst>
               <a:ext uri="{FF2B5EF4-FFF2-40B4-BE49-F238E27FC236}">
-                <a16:creationId xmlns:a16="http://schemas.microsoft.com/office/drawing/2014/main" id="{A0430F65-FED6-4E0E-BCAA-552F508EC5A8}"/>
+                <a16:creationId xmlns:a16="http://schemas.microsoft.com/office/drawing/2014/main" xmlns="" id="{A0430F65-FED6-4E0E-BCAA-552F508EC5A8}"/>
               </a:ext>
             </a:extLst>
           </p:cNvPr>
@@ -3888,7 +3957,7 @@
           <p:cNvPr id="8" name="Title 1">
             <a:extLst>
               <a:ext uri="{FF2B5EF4-FFF2-40B4-BE49-F238E27FC236}">
-                <a16:creationId xmlns:a16="http://schemas.microsoft.com/office/drawing/2014/main" id="{5D243D52-5A28-4854-A962-EE1EC8A687A0}"/>
+                <a16:creationId xmlns:a16="http://schemas.microsoft.com/office/drawing/2014/main" xmlns="" id="{5D243D52-5A28-4854-A962-EE1EC8A687A0}"/>
               </a:ext>
             </a:extLst>
           </p:cNvPr>
@@ -3946,7 +4015,7 @@
           <p:cNvPr id="9" name="Title 1">
             <a:extLst>
               <a:ext uri="{FF2B5EF4-FFF2-40B4-BE49-F238E27FC236}">
-                <a16:creationId xmlns:a16="http://schemas.microsoft.com/office/drawing/2014/main" id="{5D243D52-5A28-4854-A962-EE1EC8A687A0}"/>
+                <a16:creationId xmlns:a16="http://schemas.microsoft.com/office/drawing/2014/main" xmlns="" id="{5D243D52-5A28-4854-A962-EE1EC8A687A0}"/>
               </a:ext>
             </a:extLst>
           </p:cNvPr>
@@ -3986,7 +4055,7 @@
           <p:cNvPr id="10" name="Content Placeholder 2">
             <a:extLst>
               <a:ext uri="{FF2B5EF4-FFF2-40B4-BE49-F238E27FC236}">
-                <a16:creationId xmlns:a16="http://schemas.microsoft.com/office/drawing/2014/main" id="{0437BF45-5AB5-4C2A-8C06-6A2804E9F027}"/>
+                <a16:creationId xmlns:a16="http://schemas.microsoft.com/office/drawing/2014/main" xmlns="" id="{0437BF45-5AB5-4C2A-8C06-6A2804E9F027}"/>
               </a:ext>
             </a:extLst>
           </p:cNvPr>

--- a/Claimless - Pitch.pptx
+++ b/Claimless - Pitch.pptx
@@ -8,9 +8,11 @@
     <p:sldId id="256" r:id="rId2"/>
     <p:sldId id="265" r:id="rId3"/>
     <p:sldId id="258" r:id="rId4"/>
-    <p:sldId id="269" r:id="rId5"/>
-    <p:sldId id="271" r:id="rId6"/>
-    <p:sldId id="272" r:id="rId7"/>
+    <p:sldId id="273" r:id="rId5"/>
+    <p:sldId id="274" r:id="rId6"/>
+    <p:sldId id="269" r:id="rId7"/>
+    <p:sldId id="271" r:id="rId8"/>
+    <p:sldId id="272" r:id="rId9"/>
   </p:sldIdLst>
   <p:sldSz cx="12192000" cy="6858000"/>
   <p:notesSz cx="6858000" cy="9144000"/>
@@ -2983,7 +2985,7 @@
           <p:cNvPr id="5" name="Picture 4">
             <a:extLst>
               <a:ext uri="{FF2B5EF4-FFF2-40B4-BE49-F238E27FC236}">
-                <a16:creationId xmlns:a16="http://schemas.microsoft.com/office/drawing/2014/main" xmlns="" id="{C21F03D9-D255-4BAF-BBEF-9696EE031703}"/>
+                <a16:creationId xmlns:a16="http://schemas.microsoft.com/office/drawing/2014/main" id="{C21F03D9-D255-4BAF-BBEF-9696EE031703}"/>
               </a:ext>
             </a:extLst>
           </p:cNvPr>
@@ -3019,7 +3021,7 @@
           <p:cNvPr id="4" name="Title 1">
             <a:extLst>
               <a:ext uri="{FF2B5EF4-FFF2-40B4-BE49-F238E27FC236}">
-                <a16:creationId xmlns:a16="http://schemas.microsoft.com/office/drawing/2014/main" xmlns="" id="{5D243D52-5A28-4854-A962-EE1EC8A687A0}"/>
+                <a16:creationId xmlns:a16="http://schemas.microsoft.com/office/drawing/2014/main" id="{5D243D52-5A28-4854-A962-EE1EC8A687A0}"/>
               </a:ext>
             </a:extLst>
           </p:cNvPr>
@@ -3062,7 +3064,7 @@
           </a:lstStyle>
           <a:p>
             <a:r>
-              <a:rPr lang="en-GB" sz="2400" dirty="0" smtClean="0">
+              <a:rPr lang="en-GB" sz="2400" dirty="0">
                 <a:solidFill>
                   <a:srgbClr val="144C71"/>
                 </a:solidFill>
@@ -3072,14 +3074,6 @@
               </a:rPr>
               <a:t>Universal No-Claim Bonus</a:t>
             </a:r>
-            <a:endParaRPr lang="en-GB" sz="2400" dirty="0">
-              <a:solidFill>
-                <a:srgbClr val="144C71"/>
-              </a:solidFill>
-              <a:latin typeface="Source Sans Pro Light" charset="0"/>
-              <a:ea typeface="Source Sans Pro Light" charset="0"/>
-              <a:cs typeface="Source Sans Pro Light" charset="0"/>
-            </a:endParaRPr>
           </a:p>
         </p:txBody>
       </p:sp>
@@ -3118,7 +3112,7 @@
           <p:cNvPr id="2" name="Title 1">
             <a:extLst>
               <a:ext uri="{FF2B5EF4-FFF2-40B4-BE49-F238E27FC236}">
-                <a16:creationId xmlns:a16="http://schemas.microsoft.com/office/drawing/2014/main" xmlns="" id="{5D243D52-5A28-4854-A962-EE1EC8A687A0}"/>
+                <a16:creationId xmlns:a16="http://schemas.microsoft.com/office/drawing/2014/main" id="{5D243D52-5A28-4854-A962-EE1EC8A687A0}"/>
               </a:ext>
             </a:extLst>
           </p:cNvPr>
@@ -3153,7 +3147,7 @@
           <p:cNvPr id="3" name="Content Placeholder 2">
             <a:extLst>
               <a:ext uri="{FF2B5EF4-FFF2-40B4-BE49-F238E27FC236}">
-                <a16:creationId xmlns:a16="http://schemas.microsoft.com/office/drawing/2014/main" xmlns="" id="{0437BF45-5AB5-4C2A-8C06-6A2804E9F027}"/>
+                <a16:creationId xmlns:a16="http://schemas.microsoft.com/office/drawing/2014/main" id="{0437BF45-5AB5-4C2A-8C06-6A2804E9F027}"/>
               </a:ext>
             </a:extLst>
           </p:cNvPr>
@@ -3216,7 +3210,7 @@
           <p:cNvPr id="5" name="Picture 4">
             <a:extLst>
               <a:ext uri="{FF2B5EF4-FFF2-40B4-BE49-F238E27FC236}">
-                <a16:creationId xmlns:a16="http://schemas.microsoft.com/office/drawing/2014/main" xmlns="" id="{A0430F65-FED6-4E0E-BCAA-552F508EC5A8}"/>
+                <a16:creationId xmlns:a16="http://schemas.microsoft.com/office/drawing/2014/main" id="{A0430F65-FED6-4E0E-BCAA-552F508EC5A8}"/>
               </a:ext>
             </a:extLst>
           </p:cNvPr>
@@ -3383,7 +3377,7 @@
           <p:cNvPr id="5" name="Picture 4">
             <a:extLst>
               <a:ext uri="{FF2B5EF4-FFF2-40B4-BE49-F238E27FC236}">
-                <a16:creationId xmlns:a16="http://schemas.microsoft.com/office/drawing/2014/main" xmlns="" id="{A0430F65-FED6-4E0E-BCAA-552F508EC5A8}"/>
+                <a16:creationId xmlns:a16="http://schemas.microsoft.com/office/drawing/2014/main" id="{A0430F65-FED6-4E0E-BCAA-552F508EC5A8}"/>
               </a:ext>
             </a:extLst>
           </p:cNvPr>
@@ -3476,10 +3470,200 @@
       </p:grpSpPr>
       <p:pic>
         <p:nvPicPr>
+          <p:cNvPr id="4" name="Content Placeholder 4">
+            <a:extLst>
+              <a:ext uri="{FF2B5EF4-FFF2-40B4-BE49-F238E27FC236}">
+                <a16:creationId xmlns:a16="http://schemas.microsoft.com/office/drawing/2014/main" id="{2D325DBA-E56C-4571-82FE-616B0C255ECE}"/>
+              </a:ext>
+            </a:extLst>
+          </p:cNvPr>
+          <p:cNvPicPr>
+            <a:picLocks noChangeAspect="1"/>
+          </p:cNvPicPr>
+          <p:nvPr/>
+        </p:nvPicPr>
+        <p:blipFill>
+          <a:blip r:embed="rId2">
+            <a:extLst>
+              <a:ext uri="{28A0092B-C50C-407E-A947-70E740481C1C}">
+                <a14:useLocalDpi xmlns:a14="http://schemas.microsoft.com/office/drawing/2010/main" val="0"/>
+              </a:ext>
+            </a:extLst>
+          </a:blip>
+          <a:stretch>
+            <a:fillRect/>
+          </a:stretch>
+        </p:blipFill>
+        <p:spPr>
+          <a:xfrm>
+            <a:off x="2202838" y="133898"/>
+            <a:ext cx="7786324" cy="7706820"/>
+          </a:xfrm>
+          <a:prstGeom prst="rect">
+            <a:avLst/>
+          </a:prstGeom>
+        </p:spPr>
+      </p:pic>
+      <p:sp>
+        <p:nvSpPr>
+          <p:cNvPr id="2" name="Title 1">
+            <a:extLst>
+              <a:ext uri="{FF2B5EF4-FFF2-40B4-BE49-F238E27FC236}">
+                <a16:creationId xmlns:a16="http://schemas.microsoft.com/office/drawing/2014/main" id="{86B3FD87-8661-48B7-8D94-1CFACF05B052}"/>
+              </a:ext>
+            </a:extLst>
+          </p:cNvPr>
+          <p:cNvSpPr>
+            <a:spLocks noGrp="1"/>
+          </p:cNvSpPr>
+          <p:nvPr>
+            <p:ph type="title"/>
+          </p:nvPr>
+        </p:nvSpPr>
+        <p:spPr/>
+        <p:txBody>
+          <a:bodyPr/>
+          <a:lstStyle/>
+          <a:p>
+            <a:r>
+              <a:rPr lang="en-GB" b="1" dirty="0"/>
+              <a:t>Use Case: Providers</a:t>
+            </a:r>
+            <a:endParaRPr lang="en-US" dirty="0"/>
+          </a:p>
+        </p:txBody>
+      </p:sp>
+    </p:spTree>
+    <p:extLst>
+      <p:ext uri="{BB962C8B-B14F-4D97-AF65-F5344CB8AC3E}">
+        <p14:creationId xmlns:p14="http://schemas.microsoft.com/office/powerpoint/2010/main" val="2822731704"/>
+      </p:ext>
+    </p:extLst>
+  </p:cSld>
+  <p:clrMapOvr>
+    <a:masterClrMapping/>
+  </p:clrMapOvr>
+</p:sld>
+</file>
+
+<file path=ppt/slides/slide5.xml><?xml version="1.0" encoding="utf-8"?>
+<p:sld xmlns:a="http://schemas.openxmlformats.org/drawingml/2006/main" xmlns:r="http://schemas.openxmlformats.org/officeDocument/2006/relationships" xmlns:p="http://schemas.openxmlformats.org/presentationml/2006/main">
+  <p:cSld>
+    <p:spTree>
+      <p:nvGrpSpPr>
+        <p:cNvPr id="1" name=""/>
+        <p:cNvGrpSpPr/>
+        <p:nvPr/>
+      </p:nvGrpSpPr>
+      <p:grpSpPr>
+        <a:xfrm>
+          <a:off x="0" y="0"/>
+          <a:ext cx="0" cy="0"/>
+          <a:chOff x="0" y="0"/>
+          <a:chExt cx="0" cy="0"/>
+        </a:xfrm>
+      </p:grpSpPr>
+      <p:pic>
+        <p:nvPicPr>
+          <p:cNvPr id="4" name="Content Placeholder 4">
+            <a:extLst>
+              <a:ext uri="{FF2B5EF4-FFF2-40B4-BE49-F238E27FC236}">
+                <a16:creationId xmlns:a16="http://schemas.microsoft.com/office/drawing/2014/main" id="{855E735D-3E95-44AB-BC9E-B95D8943EB70}"/>
+              </a:ext>
+            </a:extLst>
+          </p:cNvPr>
+          <p:cNvPicPr>
+            <a:picLocks noChangeAspect="1"/>
+          </p:cNvPicPr>
+          <p:nvPr/>
+        </p:nvPicPr>
+        <p:blipFill>
+          <a:blip r:embed="rId2">
+            <a:extLst>
+              <a:ext uri="{28A0092B-C50C-407E-A947-70E740481C1C}">
+                <a14:useLocalDpi xmlns:a14="http://schemas.microsoft.com/office/drawing/2010/main" val="0"/>
+              </a:ext>
+            </a:extLst>
+          </a:blip>
+          <a:stretch>
+            <a:fillRect/>
+          </a:stretch>
+        </p:blipFill>
+        <p:spPr>
+          <a:xfrm>
+            <a:off x="2255520" y="0"/>
+            <a:ext cx="7680960" cy="7642168"/>
+          </a:xfrm>
+          <a:prstGeom prst="rect">
+            <a:avLst/>
+          </a:prstGeom>
+        </p:spPr>
+      </p:pic>
+      <p:sp>
+        <p:nvSpPr>
+          <p:cNvPr id="2" name="Title 1">
+            <a:extLst>
+              <a:ext uri="{FF2B5EF4-FFF2-40B4-BE49-F238E27FC236}">
+                <a16:creationId xmlns:a16="http://schemas.microsoft.com/office/drawing/2014/main" id="{CEE66916-E10C-4975-8FEA-CFBA43328E7C}"/>
+              </a:ext>
+            </a:extLst>
+          </p:cNvPr>
+          <p:cNvSpPr>
+            <a:spLocks noGrp="1"/>
+          </p:cNvSpPr>
+          <p:nvPr>
+            <p:ph type="title"/>
+          </p:nvPr>
+        </p:nvSpPr>
+        <p:spPr/>
+        <p:txBody>
+          <a:bodyPr/>
+          <a:lstStyle/>
+          <a:p>
+            <a:r>
+              <a:rPr lang="en-GB" b="1" dirty="0"/>
+              <a:t>Use Case: Customer </a:t>
+            </a:r>
+            <a:endParaRPr lang="en-US" dirty="0"/>
+          </a:p>
+        </p:txBody>
+      </p:sp>
+    </p:spTree>
+    <p:extLst>
+      <p:ext uri="{BB962C8B-B14F-4D97-AF65-F5344CB8AC3E}">
+        <p14:creationId xmlns:p14="http://schemas.microsoft.com/office/powerpoint/2010/main" val="461989035"/>
+      </p:ext>
+    </p:extLst>
+  </p:cSld>
+  <p:clrMapOvr>
+    <a:masterClrMapping/>
+  </p:clrMapOvr>
+</p:sld>
+</file>
+
+<file path=ppt/slides/slide6.xml><?xml version="1.0" encoding="utf-8"?>
+<p:sld xmlns:a="http://schemas.openxmlformats.org/drawingml/2006/main" xmlns:r="http://schemas.openxmlformats.org/officeDocument/2006/relationships" xmlns:p="http://schemas.openxmlformats.org/presentationml/2006/main">
+  <p:cSld>
+    <p:spTree>
+      <p:nvGrpSpPr>
+        <p:cNvPr id="1" name=""/>
+        <p:cNvGrpSpPr/>
+        <p:nvPr/>
+      </p:nvGrpSpPr>
+      <p:grpSpPr>
+        <a:xfrm>
+          <a:off x="0" y="0"/>
+          <a:ext cx="0" cy="0"/>
+          <a:chOff x="0" y="0"/>
+          <a:chExt cx="0" cy="0"/>
+        </a:xfrm>
+      </p:grpSpPr>
+      <p:pic>
+        <p:nvPicPr>
           <p:cNvPr id="7" name="Picture 6">
             <a:extLst>
               <a:ext uri="{FF2B5EF4-FFF2-40B4-BE49-F238E27FC236}">
-                <a16:creationId xmlns:a16="http://schemas.microsoft.com/office/drawing/2014/main" xmlns="" id="{C21F03D9-D255-4BAF-BBEF-9696EE031703}"/>
+                <a16:creationId xmlns:a16="http://schemas.microsoft.com/office/drawing/2014/main" id="{C21F03D9-D255-4BAF-BBEF-9696EE031703}"/>
               </a:ext>
             </a:extLst>
           </p:cNvPr>
@@ -3515,7 +3699,7 @@
           <p:cNvPr id="6" name="Title 1">
             <a:extLst>
               <a:ext uri="{FF2B5EF4-FFF2-40B4-BE49-F238E27FC236}">
-                <a16:creationId xmlns:a16="http://schemas.microsoft.com/office/drawing/2014/main" xmlns="" id="{5D243D52-5A28-4854-A962-EE1EC8A687A0}"/>
+                <a16:creationId xmlns:a16="http://schemas.microsoft.com/office/drawing/2014/main" id="{5D243D52-5A28-4854-A962-EE1EC8A687A0}"/>
               </a:ext>
             </a:extLst>
           </p:cNvPr>
@@ -3566,7 +3750,7 @@
 </p:sld>
 </file>
 
-<file path=ppt/slides/slide5.xml><?xml version="1.0" encoding="utf-8"?>
+<file path=ppt/slides/slide7.xml><?xml version="1.0" encoding="utf-8"?>
 <p:sld xmlns:a="http://schemas.openxmlformats.org/drawingml/2006/main" xmlns:r="http://schemas.openxmlformats.org/officeDocument/2006/relationships" xmlns:p="http://schemas.openxmlformats.org/presentationml/2006/main">
   <p:cSld>
     <p:spTree>
@@ -3638,7 +3822,7 @@
         </p:spPr>
         <p:txBody>
           <a:bodyPr>
-            <a:normAutofit/>
+            <a:normAutofit lnSpcReduction="10000"/>
           </a:bodyPr>
           <a:lstStyle/>
           <a:p>
@@ -3825,7 +4009,7 @@
           <p:cNvPr id="6" name="Picture 5">
             <a:extLst>
               <a:ext uri="{FF2B5EF4-FFF2-40B4-BE49-F238E27FC236}">
-                <a16:creationId xmlns:a16="http://schemas.microsoft.com/office/drawing/2014/main" xmlns="" id="{A0430F65-FED6-4E0E-BCAA-552F508EC5A8}"/>
+                <a16:creationId xmlns:a16="http://schemas.microsoft.com/office/drawing/2014/main" id="{A0430F65-FED6-4E0E-BCAA-552F508EC5A8}"/>
               </a:ext>
             </a:extLst>
           </p:cNvPr>
@@ -3899,7 +4083,7 @@
 </p:sld>
 </file>
 
-<file path=ppt/slides/slide6.xml><?xml version="1.0" encoding="utf-8"?>
+<file path=ppt/slides/slide8.xml><?xml version="1.0" encoding="utf-8"?>
 <p:sld xmlns:a="http://schemas.openxmlformats.org/drawingml/2006/main" xmlns:r="http://schemas.openxmlformats.org/officeDocument/2006/relationships" xmlns:p="http://schemas.openxmlformats.org/presentationml/2006/main">
   <p:cSld>
     <p:spTree>
@@ -3921,7 +4105,7 @@
           <p:cNvPr id="6" name="Picture 5">
             <a:extLst>
               <a:ext uri="{FF2B5EF4-FFF2-40B4-BE49-F238E27FC236}">
-                <a16:creationId xmlns:a16="http://schemas.microsoft.com/office/drawing/2014/main" xmlns="" id="{A0430F65-FED6-4E0E-BCAA-552F508EC5A8}"/>
+                <a16:creationId xmlns:a16="http://schemas.microsoft.com/office/drawing/2014/main" id="{A0430F65-FED6-4E0E-BCAA-552F508EC5A8}"/>
               </a:ext>
             </a:extLst>
           </p:cNvPr>
@@ -3957,7 +4141,7 @@
           <p:cNvPr id="8" name="Title 1">
             <a:extLst>
               <a:ext uri="{FF2B5EF4-FFF2-40B4-BE49-F238E27FC236}">
-                <a16:creationId xmlns:a16="http://schemas.microsoft.com/office/drawing/2014/main" xmlns="" id="{5D243D52-5A28-4854-A962-EE1EC8A687A0}"/>
+                <a16:creationId xmlns:a16="http://schemas.microsoft.com/office/drawing/2014/main" id="{5D243D52-5A28-4854-A962-EE1EC8A687A0}"/>
               </a:ext>
             </a:extLst>
           </p:cNvPr>
@@ -4015,7 +4199,7 @@
           <p:cNvPr id="9" name="Title 1">
             <a:extLst>
               <a:ext uri="{FF2B5EF4-FFF2-40B4-BE49-F238E27FC236}">
-                <a16:creationId xmlns:a16="http://schemas.microsoft.com/office/drawing/2014/main" xmlns="" id="{5D243D52-5A28-4854-A962-EE1EC8A687A0}"/>
+                <a16:creationId xmlns:a16="http://schemas.microsoft.com/office/drawing/2014/main" id="{5D243D52-5A28-4854-A962-EE1EC8A687A0}"/>
               </a:ext>
             </a:extLst>
           </p:cNvPr>
@@ -4055,7 +4239,7 @@
           <p:cNvPr id="10" name="Content Placeholder 2">
             <a:extLst>
               <a:ext uri="{FF2B5EF4-FFF2-40B4-BE49-F238E27FC236}">
-                <a16:creationId xmlns:a16="http://schemas.microsoft.com/office/drawing/2014/main" xmlns="" id="{0437BF45-5AB5-4C2A-8C06-6A2804E9F027}"/>
+                <a16:creationId xmlns:a16="http://schemas.microsoft.com/office/drawing/2014/main" id="{0437BF45-5AB5-4C2A-8C06-6A2804E9F027}"/>
               </a:ext>
             </a:extLst>
           </p:cNvPr>

--- a/Claimless - Pitch.pptx
+++ b/Claimless - Pitch.pptx
@@ -3533,6 +3533,42 @@
           </a:p>
         </p:txBody>
       </p:sp>
+      <p:pic>
+        <p:nvPicPr>
+          <p:cNvPr id="5" name="Picture 4">
+            <a:extLst>
+              <a:ext uri="{FF2B5EF4-FFF2-40B4-BE49-F238E27FC236}">
+                <a16:creationId xmlns:a16="http://schemas.microsoft.com/office/drawing/2014/main" id="{4EAE63D1-C9C6-4D4C-BBA4-7CB615CFE025}"/>
+              </a:ext>
+            </a:extLst>
+          </p:cNvPr>
+          <p:cNvPicPr>
+            <a:picLocks noChangeAspect="1"/>
+          </p:cNvPicPr>
+          <p:nvPr/>
+        </p:nvPicPr>
+        <p:blipFill>
+          <a:blip r:embed="rId3" cstate="hqprint">
+            <a:extLst>
+              <a:ext uri="{28A0092B-C50C-407E-A947-70E740481C1C}">
+                <a14:useLocalDpi xmlns:a14="http://schemas.microsoft.com/office/drawing/2010/main" val="0"/>
+              </a:ext>
+            </a:extLst>
+          </a:blip>
+          <a:stretch>
+            <a:fillRect/>
+          </a:stretch>
+        </p:blipFill>
+        <p:spPr>
+          <a:xfrm>
+            <a:off x="0" y="6291593"/>
+            <a:ext cx="3129255" cy="1132813"/>
+          </a:xfrm>
+          <a:prstGeom prst="rect">
+            <a:avLst/>
+          </a:prstGeom>
+        </p:spPr>
+      </p:pic>
     </p:spTree>
     <p:extLst>
       <p:ext uri="{BB962C8B-B14F-4D97-AF65-F5344CB8AC3E}">
@@ -3628,6 +3664,42 @@
           </a:p>
         </p:txBody>
       </p:sp>
+      <p:pic>
+        <p:nvPicPr>
+          <p:cNvPr id="5" name="Picture 4">
+            <a:extLst>
+              <a:ext uri="{FF2B5EF4-FFF2-40B4-BE49-F238E27FC236}">
+                <a16:creationId xmlns:a16="http://schemas.microsoft.com/office/drawing/2014/main" id="{EA1F1359-282C-4DDA-A292-1547E9D3D1D3}"/>
+              </a:ext>
+            </a:extLst>
+          </p:cNvPr>
+          <p:cNvPicPr>
+            <a:picLocks noChangeAspect="1"/>
+          </p:cNvPicPr>
+          <p:nvPr/>
+        </p:nvPicPr>
+        <p:blipFill>
+          <a:blip r:embed="rId3" cstate="hqprint">
+            <a:extLst>
+              <a:ext uri="{28A0092B-C50C-407E-A947-70E740481C1C}">
+                <a14:useLocalDpi xmlns:a14="http://schemas.microsoft.com/office/drawing/2010/main" val="0"/>
+              </a:ext>
+            </a:extLst>
+          </a:blip>
+          <a:stretch>
+            <a:fillRect/>
+          </a:stretch>
+        </p:blipFill>
+        <p:spPr>
+          <a:xfrm>
+            <a:off x="-17767" y="5725187"/>
+            <a:ext cx="3129255" cy="1132813"/>
+          </a:xfrm>
+          <a:prstGeom prst="rect">
+            <a:avLst/>
+          </a:prstGeom>
+        </p:spPr>
+      </p:pic>
     </p:spTree>
     <p:extLst>
       <p:ext uri="{BB962C8B-B14F-4D97-AF65-F5344CB8AC3E}">

--- a/Claimless - Pitch.pptx
+++ b/Claimless - Pitch.pptx
@@ -3561,7 +3561,7 @@
         </p:blipFill>
         <p:spPr>
           <a:xfrm>
-            <a:off x="0" y="6291593"/>
+            <a:off x="0" y="5632374"/>
             <a:ext cx="3129255" cy="1132813"/>
           </a:xfrm>
           <a:prstGeom prst="rect">
